--- a/web/b26/3 Publication Traditions.pptx
+++ b/web/b26/3 Publication Traditions.pptx
@@ -214,6 +214,143 @@
 </p:presentation>
 </file>
 
+<file path=ppt/revisionInfo.xml><?xml version="1.0" encoding="utf-8"?>
+<p1510:revInfo xmlns:a="http://schemas.openxmlformats.org/drawingml/2006/main" xmlns:r="http://schemas.openxmlformats.org/officeDocument/2006/relationships" xmlns:p1510="http://schemas.microsoft.com/office/powerpoint/2015/10/main">
+  <p1510:revLst>
+    <p1510:client id="{47E9D820-9ABB-4B01-A144-7A433AAFDC99}" v="136" dt="2026-02-23T08:59:48.862"/>
+  </p1510:revLst>
+</p1510:revInfo>
+</file>
+
+<file path=ppt/changesInfos/changesInfo1.xml><?xml version="1.0" encoding="utf-8"?>
+<pc:chgInfo xmlns:a="http://schemas.openxmlformats.org/drawingml/2006/main" xmlns:r="http://schemas.openxmlformats.org/officeDocument/2006/relationships" xmlns:ac="http://schemas.microsoft.com/office/drawing/2013/main/command" xmlns:pc="http://schemas.microsoft.com/office/powerpoint/2013/main/command">
+  <pc:docChgLst>
+    <pc:chgData name="Kurt Jensen" userId="536d7847-4321-45c6-997a-4b9f60543789" providerId="ADAL" clId="{E17C5AF6-11E3-421A-B6F2-416B0C981305}"/>
+    <pc:docChg chg="custSel modSld">
+      <pc:chgData name="Kurt Jensen" userId="536d7847-4321-45c6-997a-4b9f60543789" providerId="ADAL" clId="{E17C5AF6-11E3-421A-B6F2-416B0C981305}" dt="2026-02-23T09:04:46.887" v="181" actId="20577"/>
+      <pc:docMkLst>
+        <pc:docMk/>
+      </pc:docMkLst>
+      <pc:sldChg chg="addSp delSp modSp mod delAnim modAnim">
+        <pc:chgData name="Kurt Jensen" userId="536d7847-4321-45c6-997a-4b9f60543789" providerId="ADAL" clId="{E17C5AF6-11E3-421A-B6F2-416B0C981305}" dt="2026-02-23T08:48:51.381" v="145" actId="478"/>
+        <pc:sldMkLst>
+          <pc:docMk/>
+          <pc:sldMk cId="2043574319" sldId="418"/>
+        </pc:sldMkLst>
+        <pc:spChg chg="add del mod">
+          <ac:chgData name="Kurt Jensen" userId="536d7847-4321-45c6-997a-4b9f60543789" providerId="ADAL" clId="{E17C5AF6-11E3-421A-B6F2-416B0C981305}" dt="2026-02-23T08:45:29.848" v="102" actId="21"/>
+          <ac:spMkLst>
+            <pc:docMk/>
+            <pc:sldMk cId="2043574319" sldId="418"/>
+            <ac:spMk id="2" creationId="{90A5A055-632B-8230-9D80-BCC0FC740F86}"/>
+          </ac:spMkLst>
+        </pc:spChg>
+        <pc:spChg chg="add mod">
+          <ac:chgData name="Kurt Jensen" userId="536d7847-4321-45c6-997a-4b9f60543789" providerId="ADAL" clId="{E17C5AF6-11E3-421A-B6F2-416B0C981305}" dt="2026-02-23T08:48:42.524" v="144" actId="164"/>
+          <ac:spMkLst>
+            <pc:docMk/>
+            <pc:sldMk cId="2043574319" sldId="418"/>
+            <ac:spMk id="7" creationId="{AA2BFF6C-0B08-5204-551C-E2B4B0BD9F89}"/>
+          </ac:spMkLst>
+        </pc:spChg>
+        <pc:grpChg chg="del mod">
+          <ac:chgData name="Kurt Jensen" userId="536d7847-4321-45c6-997a-4b9f60543789" providerId="ADAL" clId="{E17C5AF6-11E3-421A-B6F2-416B0C981305}" dt="2026-02-23T08:48:51.381" v="145" actId="478"/>
+          <ac:grpSpMkLst>
+            <pc:docMk/>
+            <pc:sldMk cId="2043574319" sldId="418"/>
+            <ac:grpSpMk id="5" creationId="{00000000-0000-0000-0000-000000000000}"/>
+          </ac:grpSpMkLst>
+        </pc:grpChg>
+        <pc:grpChg chg="add mod">
+          <ac:chgData name="Kurt Jensen" userId="536d7847-4321-45c6-997a-4b9f60543789" providerId="ADAL" clId="{E17C5AF6-11E3-421A-B6F2-416B0C981305}" dt="2026-02-23T08:48:42.524" v="144" actId="164"/>
+          <ac:grpSpMkLst>
+            <pc:docMk/>
+            <pc:sldMk cId="2043574319" sldId="418"/>
+            <ac:grpSpMk id="10" creationId="{EB854845-D9E5-4B26-80CD-6E1006B4D500}"/>
+          </ac:grpSpMkLst>
+        </pc:grpChg>
+        <pc:picChg chg="add mod">
+          <ac:chgData name="Kurt Jensen" userId="536d7847-4321-45c6-997a-4b9f60543789" providerId="ADAL" clId="{E17C5AF6-11E3-421A-B6F2-416B0C981305}" dt="2026-02-23T08:48:42.524" v="144" actId="164"/>
+          <ac:picMkLst>
+            <pc:docMk/>
+            <pc:sldMk cId="2043574319" sldId="418"/>
+            <ac:picMk id="6" creationId="{B17E91E7-7A62-2B08-BD0B-2861E8649DCA}"/>
+          </ac:picMkLst>
+        </pc:picChg>
+      </pc:sldChg>
+      <pc:sldChg chg="addSp modSp mod modAnim">
+        <pc:chgData name="Kurt Jensen" userId="536d7847-4321-45c6-997a-4b9f60543789" providerId="ADAL" clId="{E17C5AF6-11E3-421A-B6F2-416B0C981305}" dt="2026-02-23T08:54:23.137" v="146"/>
+        <pc:sldMkLst>
+          <pc:docMk/>
+          <pc:sldMk cId="1646603906" sldId="419"/>
+        </pc:sldMkLst>
+        <pc:spChg chg="add mod">
+          <ac:chgData name="Kurt Jensen" userId="536d7847-4321-45c6-997a-4b9f60543789" providerId="ADAL" clId="{E17C5AF6-11E3-421A-B6F2-416B0C981305}" dt="2026-02-23T08:46:14.139" v="131" actId="1076"/>
+          <ac:spMkLst>
+            <pc:docMk/>
+            <pc:sldMk cId="1646603906" sldId="419"/>
+            <ac:spMk id="2" creationId="{90A5A055-632B-8230-9D80-BCC0FC740F86}"/>
+          </ac:spMkLst>
+        </pc:spChg>
+      </pc:sldChg>
+      <pc:sldChg chg="modSp">
+        <pc:chgData name="Kurt Jensen" userId="536d7847-4321-45c6-997a-4b9f60543789" providerId="ADAL" clId="{E17C5AF6-11E3-421A-B6F2-416B0C981305}" dt="2026-02-23T08:59:48.862" v="155" actId="20577"/>
+        <pc:sldMkLst>
+          <pc:docMk/>
+          <pc:sldMk cId="3942165351" sldId="422"/>
+        </pc:sldMkLst>
+        <pc:spChg chg="mod">
+          <ac:chgData name="Kurt Jensen" userId="536d7847-4321-45c6-997a-4b9f60543789" providerId="ADAL" clId="{E17C5AF6-11E3-421A-B6F2-416B0C981305}" dt="2026-02-23T08:59:48.862" v="155" actId="20577"/>
+          <ac:spMkLst>
+            <pc:docMk/>
+            <pc:sldMk cId="3942165351" sldId="422"/>
+            <ac:spMk id="7" creationId="{00000000-0000-0000-0000-000000000000}"/>
+          </ac:spMkLst>
+        </pc:spChg>
+        <pc:spChg chg="mod">
+          <ac:chgData name="Kurt Jensen" userId="536d7847-4321-45c6-997a-4b9f60543789" providerId="ADAL" clId="{E17C5AF6-11E3-421A-B6F2-416B0C981305}" dt="2026-02-23T08:59:25.967" v="150" actId="20577"/>
+          <ac:spMkLst>
+            <pc:docMk/>
+            <pc:sldMk cId="3942165351" sldId="422"/>
+            <ac:spMk id="16" creationId="{00000000-0000-0000-0000-000000000000}"/>
+          </ac:spMkLst>
+        </pc:spChg>
+      </pc:sldChg>
+      <pc:sldChg chg="modSp mod">
+        <pc:chgData name="Kurt Jensen" userId="536d7847-4321-45c6-997a-4b9f60543789" providerId="ADAL" clId="{E17C5AF6-11E3-421A-B6F2-416B0C981305}" dt="2026-02-23T09:04:46.887" v="181" actId="20577"/>
+        <pc:sldMkLst>
+          <pc:docMk/>
+          <pc:sldMk cId="2145356653" sldId="423"/>
+        </pc:sldMkLst>
+        <pc:spChg chg="mod">
+          <ac:chgData name="Kurt Jensen" userId="536d7847-4321-45c6-997a-4b9f60543789" providerId="ADAL" clId="{E17C5AF6-11E3-421A-B6F2-416B0C981305}" dt="2026-02-23T09:04:46.887" v="181" actId="20577"/>
+          <ac:spMkLst>
+            <pc:docMk/>
+            <pc:sldMk cId="2145356653" sldId="423"/>
+            <ac:spMk id="6" creationId="{00000000-0000-0000-0000-000000000000}"/>
+          </ac:spMkLst>
+        </pc:spChg>
+      </pc:sldChg>
+      <pc:sldChg chg="modSp mod">
+        <pc:chgData name="Kurt Jensen" userId="536d7847-4321-45c6-997a-4b9f60543789" providerId="ADAL" clId="{E17C5AF6-11E3-421A-B6F2-416B0C981305}" dt="2026-02-23T09:03:05.059" v="170" actId="20577"/>
+        <pc:sldMkLst>
+          <pc:docMk/>
+          <pc:sldMk cId="1649557563" sldId="424"/>
+        </pc:sldMkLst>
+        <pc:spChg chg="mod">
+          <ac:chgData name="Kurt Jensen" userId="536d7847-4321-45c6-997a-4b9f60543789" providerId="ADAL" clId="{E17C5AF6-11E3-421A-B6F2-416B0C981305}" dt="2026-02-23T09:03:05.059" v="170" actId="20577"/>
+          <ac:spMkLst>
+            <pc:docMk/>
+            <pc:sldMk cId="1649557563" sldId="424"/>
+            <ac:spMk id="6" creationId="{00000000-0000-0000-0000-000000000000}"/>
+          </ac:spMkLst>
+        </pc:spChg>
+      </pc:sldChg>
+    </pc:docChg>
+  </pc:docChgLst>
+</pc:chgInfo>
+</file>
+
 <file path=ppt/handoutMasters/handoutMaster1.xml><?xml version="1.0" encoding="utf-8"?>
 <p:handoutMaster xmlns:a="http://schemas.openxmlformats.org/drawingml/2006/main" xmlns:r="http://schemas.openxmlformats.org/officeDocument/2006/relationships" xmlns:p="http://schemas.openxmlformats.org/presentationml/2006/main">
   <p:cSld>
@@ -878,35 +1015,35 @@
           <a:p>
             <a:pPr lvl="0"/>
             <a:r>
-              <a:rPr lang="da-DK" noProof="0" smtClean="0"/>
+              <a:rPr lang="da-DK" noProof="0"/>
               <a:t>Klik for at redigere teksttypografierne i masteren</a:t>
             </a:r>
           </a:p>
           <a:p>
             <a:pPr lvl="1"/>
             <a:r>
-              <a:rPr lang="da-DK" noProof="0" smtClean="0"/>
+              <a:rPr lang="da-DK" noProof="0"/>
               <a:t>Andet niveau</a:t>
             </a:r>
           </a:p>
           <a:p>
             <a:pPr lvl="2"/>
             <a:r>
-              <a:rPr lang="da-DK" noProof="0" smtClean="0"/>
+              <a:rPr lang="da-DK" noProof="0"/>
               <a:t>Tredje niveau</a:t>
             </a:r>
           </a:p>
           <a:p>
             <a:pPr lvl="3"/>
             <a:r>
-              <a:rPr lang="da-DK" noProof="0" smtClean="0"/>
+              <a:rPr lang="da-DK" noProof="0"/>
               <a:t>Fjerde niveau</a:t>
             </a:r>
           </a:p>
           <a:p>
             <a:pPr lvl="4"/>
             <a:r>
-              <a:rPr lang="da-DK" noProof="0" smtClean="0"/>
+              <a:rPr lang="da-DK" noProof="0"/>
               <a:t>Femte niveau</a:t>
             </a:r>
           </a:p>
@@ -1470,7 +1607,7 @@
           <a:lstStyle/>
           <a:p>
             <a:pPr eaLnBrk="1" hangingPunct="1"/>
-            <a:endParaRPr lang="en-US" altLang="da-DK" dirty="0" smtClean="0">
+            <a:endParaRPr lang="en-US" altLang="da-DK" dirty="0">
               <a:latin typeface="Times New Roman" pitchFamily="18" charset="0"/>
               <a:ea typeface="ＭＳ Ｐゴシック" pitchFamily="34" charset="-128"/>
             </a:endParaRPr>
@@ -2287,7 +2424,7 @@
           <a:lstStyle/>
           <a:p>
             <a:pPr eaLnBrk="1" hangingPunct="1"/>
-            <a:endParaRPr lang="en-US" altLang="da-DK" smtClean="0">
+            <a:endParaRPr lang="en-US" altLang="da-DK">
               <a:latin typeface="Times New Roman" pitchFamily="18" charset="0"/>
               <a:ea typeface="ＭＳ Ｐゴシック" pitchFamily="34" charset="-128"/>
             </a:endParaRPr>
@@ -3065,7 +3202,7 @@
           <a:lstStyle/>
           <a:p>
             <a:r>
-              <a:rPr lang="da-DK" smtClean="0"/>
+              <a:rPr lang="da-DK"/>
               <a:t>Click to edit Master title style</a:t>
             </a:r>
             <a:endParaRPr lang="en-US"/>
@@ -3130,7 +3267,7 @@
           </a:lstStyle>
           <a:p>
             <a:r>
-              <a:rPr lang="da-DK" smtClean="0"/>
+              <a:rPr lang="da-DK"/>
               <a:t>Click to edit Master subtitle style</a:t>
             </a:r>
             <a:endParaRPr lang="en-US"/>
@@ -3230,7 +3367,7 @@
           <a:lstStyle/>
           <a:p>
             <a:r>
-              <a:rPr lang="da-DK" smtClean="0"/>
+              <a:rPr lang="da-DK"/>
               <a:t>Click to edit Master title style</a:t>
             </a:r>
             <a:endParaRPr lang="en-US"/>
@@ -3254,83 +3391,83 @@
           <a:p>
             <a:pPr lvl="0"/>
             <a:r>
-              <a:rPr lang="da-DK" dirty="0" err="1" smtClean="0"/>
+              <a:rPr lang="da-DK" dirty="0" err="1"/>
               <a:t>Click</a:t>
             </a:r>
             <a:r>
-              <a:rPr lang="da-DK" dirty="0" smtClean="0"/>
+              <a:rPr lang="da-DK" dirty="0"/>
               <a:t> to </a:t>
             </a:r>
             <a:r>
-              <a:rPr lang="da-DK" dirty="0" err="1" smtClean="0"/>
+              <a:rPr lang="da-DK" dirty="0" err="1"/>
               <a:t>edit</a:t>
             </a:r>
             <a:r>
-              <a:rPr lang="da-DK" dirty="0" smtClean="0"/>
+              <a:rPr lang="da-DK" dirty="0"/>
               <a:t> Master </a:t>
             </a:r>
             <a:r>
-              <a:rPr lang="da-DK" dirty="0" err="1" smtClean="0"/>
+              <a:rPr lang="da-DK" dirty="0" err="1"/>
               <a:t>text</a:t>
             </a:r>
             <a:r>
-              <a:rPr lang="da-DK" dirty="0" smtClean="0"/>
+              <a:rPr lang="da-DK" dirty="0"/>
               <a:t> </a:t>
             </a:r>
             <a:r>
-              <a:rPr lang="da-DK" dirty="0" err="1" smtClean="0"/>
+              <a:rPr lang="da-DK" dirty="0" err="1"/>
               <a:t>styles</a:t>
             </a:r>
-            <a:endParaRPr lang="da-DK" dirty="0" smtClean="0"/>
+            <a:endParaRPr lang="da-DK" dirty="0"/>
           </a:p>
           <a:p>
             <a:pPr lvl="1"/>
             <a:r>
-              <a:rPr lang="da-DK" dirty="0" smtClean="0"/>
+              <a:rPr lang="da-DK" dirty="0"/>
               <a:t>Second </a:t>
             </a:r>
             <a:r>
-              <a:rPr lang="da-DK" dirty="0" err="1" smtClean="0"/>
+              <a:rPr lang="da-DK" dirty="0" err="1"/>
               <a:t>level</a:t>
             </a:r>
-            <a:endParaRPr lang="da-DK" dirty="0" smtClean="0"/>
+            <a:endParaRPr lang="da-DK" dirty="0"/>
           </a:p>
           <a:p>
             <a:pPr lvl="2"/>
             <a:r>
-              <a:rPr lang="da-DK" dirty="0" smtClean="0"/>
+              <a:rPr lang="da-DK" dirty="0"/>
               <a:t>Third </a:t>
             </a:r>
             <a:r>
-              <a:rPr lang="da-DK" dirty="0" err="1" smtClean="0"/>
+              <a:rPr lang="da-DK" dirty="0" err="1"/>
               <a:t>level</a:t>
             </a:r>
-            <a:endParaRPr lang="da-DK" dirty="0" smtClean="0"/>
+            <a:endParaRPr lang="da-DK" dirty="0"/>
           </a:p>
           <a:p>
             <a:pPr lvl="3"/>
             <a:r>
-              <a:rPr lang="da-DK" dirty="0" err="1" smtClean="0"/>
+              <a:rPr lang="da-DK" dirty="0" err="1"/>
               <a:t>Fourth</a:t>
             </a:r>
             <a:r>
-              <a:rPr lang="da-DK" dirty="0" smtClean="0"/>
+              <a:rPr lang="da-DK" dirty="0"/>
               <a:t> </a:t>
             </a:r>
             <a:r>
-              <a:rPr lang="da-DK" dirty="0" err="1" smtClean="0"/>
+              <a:rPr lang="da-DK" dirty="0" err="1"/>
               <a:t>level</a:t>
             </a:r>
-            <a:endParaRPr lang="da-DK" dirty="0" smtClean="0"/>
+            <a:endParaRPr lang="da-DK" dirty="0"/>
           </a:p>
           <a:p>
             <a:pPr lvl="4"/>
             <a:r>
-              <a:rPr lang="da-DK" dirty="0" smtClean="0"/>
+              <a:rPr lang="da-DK" dirty="0"/>
               <a:t>Fifth </a:t>
             </a:r>
             <a:r>
-              <a:rPr lang="da-DK" dirty="0" err="1" smtClean="0"/>
+              <a:rPr lang="da-DK" dirty="0" err="1"/>
               <a:t>level</a:t>
             </a:r>
             <a:endParaRPr lang="en-US" dirty="0"/>
@@ -3432,7 +3569,7 @@
           <a:lstStyle/>
           <a:p>
             <a:r>
-              <a:rPr lang="da-DK" smtClean="0"/>
+              <a:rPr lang="da-DK"/>
               <a:t>Click to edit Master title style</a:t>
             </a:r>
             <a:endParaRPr lang="en-US"/>
@@ -3489,83 +3626,83 @@
           <a:p>
             <a:pPr lvl="0"/>
             <a:r>
-              <a:rPr lang="da-DK" dirty="0" err="1" smtClean="0"/>
+              <a:rPr lang="da-DK" dirty="0" err="1"/>
               <a:t>Click</a:t>
             </a:r>
             <a:r>
-              <a:rPr lang="da-DK" dirty="0" smtClean="0"/>
+              <a:rPr lang="da-DK" dirty="0"/>
               <a:t> to </a:t>
             </a:r>
             <a:r>
-              <a:rPr lang="da-DK" dirty="0" err="1" smtClean="0"/>
+              <a:rPr lang="da-DK" dirty="0" err="1"/>
               <a:t>edit</a:t>
             </a:r>
             <a:r>
-              <a:rPr lang="da-DK" dirty="0" smtClean="0"/>
+              <a:rPr lang="da-DK" dirty="0"/>
               <a:t> Master </a:t>
             </a:r>
             <a:r>
-              <a:rPr lang="da-DK" dirty="0" err="1" smtClean="0"/>
+              <a:rPr lang="da-DK" dirty="0" err="1"/>
               <a:t>text</a:t>
             </a:r>
             <a:r>
-              <a:rPr lang="da-DK" dirty="0" smtClean="0"/>
+              <a:rPr lang="da-DK" dirty="0"/>
               <a:t> </a:t>
             </a:r>
             <a:r>
-              <a:rPr lang="da-DK" dirty="0" err="1" smtClean="0"/>
+              <a:rPr lang="da-DK" dirty="0" err="1"/>
               <a:t>styles</a:t>
             </a:r>
-            <a:endParaRPr lang="da-DK" dirty="0" smtClean="0"/>
+            <a:endParaRPr lang="da-DK" dirty="0"/>
           </a:p>
           <a:p>
             <a:pPr lvl="1"/>
             <a:r>
-              <a:rPr lang="da-DK" dirty="0" smtClean="0"/>
+              <a:rPr lang="da-DK" dirty="0"/>
               <a:t>Second </a:t>
             </a:r>
             <a:r>
-              <a:rPr lang="da-DK" dirty="0" err="1" smtClean="0"/>
+              <a:rPr lang="da-DK" dirty="0" err="1"/>
               <a:t>level</a:t>
             </a:r>
-            <a:endParaRPr lang="da-DK" dirty="0" smtClean="0"/>
+            <a:endParaRPr lang="da-DK" dirty="0"/>
           </a:p>
           <a:p>
             <a:pPr lvl="2"/>
             <a:r>
-              <a:rPr lang="da-DK" dirty="0" smtClean="0"/>
+              <a:rPr lang="da-DK" dirty="0"/>
               <a:t>Third </a:t>
             </a:r>
             <a:r>
-              <a:rPr lang="da-DK" dirty="0" err="1" smtClean="0"/>
+              <a:rPr lang="da-DK" dirty="0" err="1"/>
               <a:t>level</a:t>
             </a:r>
-            <a:endParaRPr lang="da-DK" dirty="0" smtClean="0"/>
+            <a:endParaRPr lang="da-DK" dirty="0"/>
           </a:p>
           <a:p>
             <a:pPr lvl="3"/>
             <a:r>
-              <a:rPr lang="da-DK" dirty="0" err="1" smtClean="0"/>
+              <a:rPr lang="da-DK" dirty="0" err="1"/>
               <a:t>Fourth</a:t>
             </a:r>
             <a:r>
-              <a:rPr lang="da-DK" dirty="0" smtClean="0"/>
+              <a:rPr lang="da-DK" dirty="0"/>
               <a:t> </a:t>
             </a:r>
             <a:r>
-              <a:rPr lang="da-DK" dirty="0" err="1" smtClean="0"/>
+              <a:rPr lang="da-DK" dirty="0" err="1"/>
               <a:t>level</a:t>
             </a:r>
-            <a:endParaRPr lang="da-DK" dirty="0" smtClean="0"/>
+            <a:endParaRPr lang="da-DK" dirty="0"/>
           </a:p>
           <a:p>
             <a:pPr lvl="4"/>
             <a:r>
-              <a:rPr lang="da-DK" dirty="0" smtClean="0"/>
+              <a:rPr lang="da-DK" dirty="0"/>
               <a:t>Fifth </a:t>
             </a:r>
             <a:r>
-              <a:rPr lang="da-DK" dirty="0" err="1" smtClean="0"/>
+              <a:rPr lang="da-DK" dirty="0" err="1"/>
               <a:t>level</a:t>
             </a:r>
             <a:endParaRPr lang="en-US" dirty="0"/>
@@ -3622,35 +3759,35 @@
           <a:p>
             <a:pPr lvl="0"/>
             <a:r>
-              <a:rPr lang="da-DK" smtClean="0"/>
+              <a:rPr lang="da-DK"/>
               <a:t>Click to edit Master text styles</a:t>
             </a:r>
           </a:p>
           <a:p>
             <a:pPr lvl="1"/>
             <a:r>
-              <a:rPr lang="da-DK" smtClean="0"/>
+              <a:rPr lang="da-DK"/>
               <a:t>Second level</a:t>
             </a:r>
           </a:p>
           <a:p>
             <a:pPr lvl="2"/>
             <a:r>
-              <a:rPr lang="da-DK" smtClean="0"/>
+              <a:rPr lang="da-DK"/>
               <a:t>Third level</a:t>
             </a:r>
           </a:p>
           <a:p>
             <a:pPr lvl="3"/>
             <a:r>
-              <a:rPr lang="da-DK" smtClean="0"/>
+              <a:rPr lang="da-DK"/>
               <a:t>Fourth level</a:t>
             </a:r>
           </a:p>
           <a:p>
             <a:pPr lvl="4"/>
             <a:r>
-              <a:rPr lang="da-DK" smtClean="0"/>
+              <a:rPr lang="da-DK"/>
               <a:t>Fifth level</a:t>
             </a:r>
             <a:endParaRPr lang="en-US"/>
@@ -3747,7 +3884,7 @@
           <a:lstStyle/>
           <a:p>
             <a:r>
-              <a:rPr lang="da-DK" smtClean="0"/>
+              <a:rPr lang="da-DK"/>
               <a:t>Click to edit Master title style</a:t>
             </a:r>
             <a:endParaRPr lang="en-US"/>
@@ -4757,7 +4894,7 @@
               <a:buChar char="•"/>
             </a:pPr>
             <a:r>
-              <a:rPr lang="en-US" altLang="da-DK" sz="1800" b="1" dirty="0" smtClean="0">
+              <a:rPr lang="en-US" altLang="da-DK" sz="1800" b="1" dirty="0">
                 <a:solidFill>
                   <a:srgbClr val="A50021"/>
                 </a:solidFill>
@@ -4772,7 +4909,7 @@
               </a:spcBef>
             </a:pPr>
             <a:r>
-              <a:rPr lang="en-US" altLang="da-DK" sz="1600" dirty="0" smtClean="0"/>
+              <a:rPr lang="en-US" altLang="da-DK" sz="1600" dirty="0"/>
               <a:t>Journals, conferences, workshops, etc.</a:t>
             </a:r>
           </a:p>
@@ -4783,7 +4920,7 @@
               </a:spcBef>
             </a:pPr>
             <a:r>
-              <a:rPr lang="en-US" altLang="da-DK" sz="1600" dirty="0" smtClean="0"/>
+              <a:rPr lang="en-US" altLang="da-DK" sz="1600" dirty="0"/>
               <a:t>Peer-reviewing</a:t>
             </a:r>
           </a:p>
@@ -4795,7 +4932,7 @@
               <a:buChar char="•"/>
             </a:pPr>
             <a:r>
-              <a:rPr lang="en-US" altLang="da-DK" sz="1800" b="1" dirty="0" smtClean="0">
+              <a:rPr lang="en-US" altLang="da-DK" sz="1800" b="1" dirty="0">
                 <a:solidFill>
                   <a:srgbClr val="A50021"/>
                 </a:solidFill>
@@ -4810,10 +4947,10 @@
               </a:spcBef>
             </a:pPr>
             <a:r>
-              <a:rPr lang="en-US" altLang="da-DK" sz="1600" dirty="0" smtClean="0"/>
+              <a:rPr lang="en-US" altLang="da-DK" sz="1600" dirty="0"/>
               <a:t>Citations, H-index and I-index</a:t>
             </a:r>
-            <a:endParaRPr lang="en-US" altLang="da-DK" sz="1600" dirty="0" smtClean="0">
+            <a:endParaRPr lang="en-US" altLang="da-DK" sz="1600" dirty="0">
               <a:latin typeface="+mn-lt"/>
               <a:ea typeface="+mn-ea"/>
             </a:endParaRPr>
@@ -4826,7 +4963,7 @@
               <a:buChar char="•"/>
             </a:pPr>
             <a:r>
-              <a:rPr lang="en-US" altLang="da-DK" sz="1800" b="1" dirty="0" smtClean="0">
+              <a:rPr lang="en-US" altLang="da-DK" sz="1800" b="1" dirty="0">
                 <a:solidFill>
                   <a:srgbClr val="A50021"/>
                 </a:solidFill>
@@ -4841,7 +4978,7 @@
               </a:spcBef>
             </a:pPr>
             <a:r>
-              <a:rPr lang="en-US" altLang="da-DK" sz="1600" dirty="0" smtClean="0">
+              <a:rPr lang="en-US" altLang="da-DK" sz="1600" dirty="0">
                 <a:latin typeface="+mn-lt"/>
                 <a:ea typeface="+mn-ea"/>
               </a:rPr>
@@ -4855,7 +4992,7 @@
               </a:spcBef>
             </a:pPr>
             <a:r>
-              <a:rPr lang="en-US" altLang="da-DK" sz="1600" dirty="0" smtClean="0">
+              <a:rPr lang="en-US" altLang="da-DK" sz="1600" dirty="0">
                 <a:latin typeface="+mn-lt"/>
                 <a:ea typeface="+mn-ea"/>
               </a:rPr>
@@ -4869,7 +5006,7 @@
               </a:spcBef>
             </a:pPr>
             <a:r>
-              <a:rPr lang="en-US" altLang="da-DK" sz="1600" dirty="0" smtClean="0">
+              <a:rPr lang="en-US" altLang="da-DK" sz="1600" dirty="0">
                 <a:latin typeface="+mn-lt"/>
                 <a:ea typeface="+mn-ea"/>
               </a:rPr>
@@ -4884,28 +5021,12 @@
               <a:buChar char="•"/>
             </a:pPr>
             <a:r>
-              <a:rPr lang="en-GB" altLang="da-DK" sz="1800" b="1" dirty="0" smtClean="0">
+              <a:rPr lang="en-GB" altLang="da-DK" sz="1800" b="1" dirty="0">
                 <a:solidFill>
                   <a:srgbClr val="A50021"/>
                 </a:solidFill>
               </a:rPr>
-              <a:t>AU </a:t>
-            </a:r>
-            <a:r>
-              <a:rPr lang="en-GB" altLang="da-DK" sz="1800" b="1" dirty="0">
-                <a:solidFill>
-                  <a:srgbClr val="A50021"/>
-                </a:solidFill>
-              </a:rPr>
-              <a:t>Library in the Nygaard </a:t>
-            </a:r>
-            <a:r>
-              <a:rPr lang="en-GB" altLang="da-DK" sz="1800" b="1" dirty="0" smtClean="0">
-                <a:solidFill>
-                  <a:srgbClr val="A50021"/>
-                </a:solidFill>
-              </a:rPr>
-              <a:t>building</a:t>
+              <a:t>AU Library in the Nygaard building</a:t>
             </a:r>
           </a:p>
           <a:p>
@@ -4914,43 +5035,16 @@
                 <a:spcPts val="200"/>
               </a:spcBef>
             </a:pPr>
-            <a:r>
-              <a:rPr lang="da-DK" sz="1600" dirty="0" smtClean="0">
-                <a:latin typeface="+mn-lt"/>
-                <a:ea typeface="+mn-ea"/>
-              </a:rPr>
-              <a:t>Bibliotekar Rasmus </a:t>
-            </a:r>
             <a:r>
               <a:rPr lang="da-DK" sz="1600" dirty="0">
                 <a:latin typeface="+mn-lt"/>
                 <a:ea typeface="+mn-ea"/>
               </a:rPr>
-              <a:t>T. </a:t>
-            </a:r>
-            <a:r>
-              <a:rPr lang="da-DK" sz="1600" dirty="0" smtClean="0">
-                <a:latin typeface="+mn-lt"/>
-                <a:ea typeface="+mn-ea"/>
-              </a:rPr>
-              <a:t>Nielsen</a:t>
-            </a:r>
-            <a:endParaRPr lang="en-GB" altLang="da-DK" sz="1600" dirty="0" smtClean="0">
+              <a:t>Bibliotekar Rasmus T. Nielsen</a:t>
+            </a:r>
+            <a:endParaRPr lang="en-GB" altLang="da-DK" sz="1600" dirty="0">
               <a:latin typeface="+mn-lt"/>
               <a:ea typeface="+mn-ea"/>
-            </a:endParaRPr>
-          </a:p>
-          <a:p>
-            <a:pPr marL="271463" lvl="1" indent="-271463">
-              <a:spcBef>
-                <a:spcPts val="1200"/>
-              </a:spcBef>
-              <a:buChar char="•"/>
-            </a:pPr>
-            <a:endParaRPr lang="da-DK" altLang="da-DK" sz="1800" b="1" dirty="0" smtClean="0">
-              <a:solidFill>
-                <a:srgbClr val="A50021"/>
-              </a:solidFill>
             </a:endParaRPr>
           </a:p>
           <a:p>
@@ -4973,6 +5067,19 @@
               </a:spcBef>
               <a:buChar char="•"/>
             </a:pPr>
+            <a:endParaRPr lang="da-DK" altLang="da-DK" sz="1800" b="1" dirty="0">
+              <a:solidFill>
+                <a:srgbClr val="A50021"/>
+              </a:solidFill>
+            </a:endParaRPr>
+          </a:p>
+          <a:p>
+            <a:pPr marL="271463" lvl="1" indent="-271463">
+              <a:spcBef>
+                <a:spcPts val="1200"/>
+              </a:spcBef>
+              <a:buChar char="•"/>
+            </a:pPr>
             <a:r>
               <a:rPr lang="en-GB" altLang="da-DK" sz="1800" b="1" dirty="0">
                 <a:solidFill>
@@ -5002,15 +5109,7 @@
             </a:r>
             <a:r>
               <a:rPr lang="en-GB" altLang="da-DK" sz="1600" dirty="0"/>
-              <a:t> </a:t>
-            </a:r>
-            <a:r>
-              <a:rPr lang="en-GB" altLang="da-DK" sz="1600" dirty="0" smtClean="0"/>
-              <a:t>information </a:t>
-            </a:r>
-            <a:r>
-              <a:rPr lang="en-GB" altLang="da-DK" sz="1600" dirty="0"/>
-              <a:t>in this talk and the more </a:t>
+              <a:t> information in this talk and the more </a:t>
             </a:r>
             <a:r>
               <a:rPr lang="en-GB" altLang="da-DK" sz="1600" b="1" spc="-40" dirty="0">
@@ -5022,11 +5121,7 @@
             </a:r>
             <a:r>
               <a:rPr lang="en-GB" altLang="da-DK" sz="1600" spc="-40" dirty="0"/>
-              <a:t> information given by your advisor, you should always believe your </a:t>
-            </a:r>
-            <a:r>
-              <a:rPr lang="en-GB" altLang="da-DK" sz="1600" spc="-40" dirty="0" smtClean="0"/>
-              <a:t>advisor</a:t>
+              <a:t> information given by your advisor, you should always believe your advisor</a:t>
             </a:r>
             <a:endParaRPr lang="da-DK" altLang="da-DK" sz="2000" dirty="0"/>
           </a:p>
@@ -5240,18 +5335,9 @@
               </a:spcBef>
             </a:pPr>
             <a:r>
-              <a:rPr lang="en-GB" altLang="da-DK" sz="2800" dirty="0" smtClean="0"/>
-              <a:t>Publication </a:t>
-            </a:r>
-            <a:r>
               <a:rPr lang="en-GB" altLang="da-DK" sz="2800" dirty="0"/>
-              <a:t>t</a:t>
-            </a:r>
-            <a:r>
-              <a:rPr lang="en-GB" altLang="da-DK" sz="2800" dirty="0" smtClean="0"/>
-              <a:t>raditions and literature search</a:t>
-            </a:r>
-            <a:endParaRPr lang="en-GB" altLang="da-DK" sz="2800" dirty="0"/>
+              <a:t>Publication traditions and literature search</a:t>
+            </a:r>
           </a:p>
         </p:txBody>
       </p:sp>
@@ -5265,13 +5351,6 @@
   <p:clrMapOvr>
     <a:masterClrMapping/>
   </p:clrMapOvr>
-  <p:timing>
-    <p:tnLst>
-      <p:par>
-        <p:cTn id="1" dur="indefinite" restart="never" nodeType="tmRoot"/>
-      </p:par>
-    </p:tnLst>
-  </p:timing>
 </p:sld>
 </file>
 
@@ -5316,7 +5395,7 @@
               <a:defRPr/>
             </a:pPr>
             <a:r>
-              <a:rPr lang="en-GB" altLang="da-DK" sz="2800" dirty="0" smtClean="0"/>
+              <a:rPr lang="en-GB" altLang="da-DK" sz="2800" dirty="0"/>
               <a:t>Google Scholar </a:t>
             </a:r>
           </a:p>
@@ -5350,7 +5429,7 @@
               <a:buChar char="•"/>
             </a:pPr>
             <a:r>
-              <a:rPr lang="en-GB" altLang="da-DK" sz="1800" b="1" dirty="0" smtClean="0">
+              <a:rPr lang="en-GB" altLang="da-DK" sz="1800" b="1" dirty="0">
                 <a:solidFill>
                   <a:srgbClr val="A50021"/>
                 </a:solidFill>
@@ -5375,33 +5454,21 @@
             </a:r>
             <a:r>
               <a:rPr lang="en-GB" altLang="da-DK" sz="1600" dirty="0"/>
-              <a:t> – which are </a:t>
-            </a:r>
-            <a:r>
-              <a:rPr lang="en-GB" altLang="da-DK" sz="1600" dirty="0" smtClean="0"/>
-              <a:t>excluded </a:t>
-            </a:r>
+              <a:t> – which are excluded by most other data bases</a:t>
+            </a:r>
+          </a:p>
+          <a:p>
+            <a:pPr marL="728663" lvl="1" indent="-271463">
+              <a:spcBef>
+                <a:spcPts val="300"/>
+              </a:spcBef>
+            </a:pPr>
             <a:r>
               <a:rPr lang="en-GB" altLang="da-DK" sz="1600" dirty="0"/>
-              <a:t>by most other data </a:t>
-            </a:r>
-            <a:r>
-              <a:rPr lang="en-GB" altLang="da-DK" sz="1600" dirty="0" smtClean="0"/>
-              <a:t>bases</a:t>
-            </a:r>
-          </a:p>
-          <a:p>
-            <a:pPr marL="728663" lvl="1" indent="-271463">
-              <a:spcBef>
-                <a:spcPts val="300"/>
-              </a:spcBef>
-            </a:pPr>
-            <a:r>
-              <a:rPr lang="en-GB" altLang="da-DK" sz="1600" dirty="0" smtClean="0"/>
               <a:t>Each researcher maintains a </a:t>
             </a:r>
             <a:r>
-              <a:rPr lang="en-GB" altLang="da-DK" sz="1600" b="1" dirty="0" smtClean="0">
+              <a:rPr lang="en-GB" altLang="da-DK" sz="1600" b="1" dirty="0">
                 <a:solidFill>
                   <a:srgbClr val="008000"/>
                 </a:solidFill>
@@ -5409,7 +5476,7 @@
               <a:t>profile</a:t>
             </a:r>
             <a:r>
-              <a:rPr lang="en-GB" altLang="da-DK" sz="1600" dirty="0" smtClean="0"/>
+              <a:rPr lang="en-GB" altLang="da-DK" sz="1600" dirty="0"/>
               <a:t>, which makes the counts more reliable, since missing papers can be added, and wrong papers (e.g. by authors with the same name) can be removed</a:t>
             </a:r>
           </a:p>
@@ -5427,16 +5494,60 @@
                 </a:solidFill>
                 <a:cs typeface="ＭＳ Ｐゴシック" charset="0"/>
               </a:rPr>
-              <a:t>Google scholar </a:t>
-            </a:r>
-            <a:r>
-              <a:rPr lang="en-GB" altLang="da-DK" sz="1800" b="1" dirty="0" smtClean="0">
+              <a:t>Google scholar overview</a:t>
+            </a:r>
+          </a:p>
+          <a:p>
+            <a:pPr marL="728663" lvl="1" indent="-271463">
+              <a:spcBef>
+                <a:spcPts val="300"/>
+              </a:spcBef>
+            </a:pPr>
+            <a:r>
+              <a:rPr lang="en-GB" altLang="da-DK" sz="1600" dirty="0"/>
+              <a:t>The last column counts citations</a:t>
+            </a:r>
+            <a:br>
+              <a:rPr lang="en-GB" altLang="da-DK" sz="1600" dirty="0"/>
+            </a:br>
+            <a:r>
+              <a:rPr lang="en-GB" altLang="da-DK" sz="1600" dirty="0"/>
+              <a:t>made within the last 5 years</a:t>
+            </a:r>
+          </a:p>
+          <a:p>
+            <a:pPr marL="728663" lvl="1" indent="-271463">
+              <a:spcBef>
+                <a:spcPts val="300"/>
+              </a:spcBef>
+            </a:pPr>
+            <a:r>
+              <a:rPr lang="en-GB" altLang="da-DK" sz="1600" dirty="0"/>
+              <a:t>The papers that are cited may</a:t>
+            </a:r>
+            <a:br>
+              <a:rPr lang="en-GB" altLang="da-DK" sz="1600" dirty="0"/>
+            </a:br>
+            <a:r>
+              <a:rPr lang="en-GB" altLang="da-DK" sz="1600" dirty="0"/>
+              <a:t>be much older</a:t>
+            </a:r>
+          </a:p>
+          <a:p>
+            <a:pPr marL="271463" lvl="1" indent="-271463">
+              <a:spcBef>
+                <a:spcPts val="1200"/>
+              </a:spcBef>
+              <a:buChar char="•"/>
+            </a:pPr>
+            <a:r>
+              <a:rPr lang="en-GB" altLang="da-DK" sz="1800" b="1" dirty="0">
                 <a:solidFill>
                   <a:srgbClr val="A50021"/>
                 </a:solidFill>
                 <a:cs typeface="ＭＳ Ｐゴシック" charset="0"/>
               </a:rPr>
-              <a:t>overview</a:t>
+              <a:t>My publication profile is atypical</a:t>
             </a:r>
           </a:p>
           <a:p>
@@ -5447,152 +5558,43 @@
             </a:pPr>
             <a:r>
               <a:rPr lang="en-GB" altLang="da-DK" sz="1600" dirty="0"/>
-              <a:t>The last </a:t>
-            </a:r>
-            <a:r>
-              <a:rPr lang="en-GB" altLang="da-DK" sz="1600" dirty="0" smtClean="0"/>
-              <a:t>column </a:t>
-            </a:r>
+              <a:t>I have published relatively few papers</a:t>
+            </a:r>
+          </a:p>
+          <a:p>
+            <a:pPr marL="728663" lvl="1" indent="-271463">
+              <a:spcBef>
+                <a:spcPts val="300"/>
+              </a:spcBef>
+            </a:pPr>
             <a:r>
               <a:rPr lang="en-GB" altLang="da-DK" sz="1600" dirty="0"/>
-              <a:t>counts </a:t>
-            </a:r>
-            <a:r>
-              <a:rPr lang="en-GB" altLang="da-DK" sz="1600" dirty="0" smtClean="0"/>
-              <a:t>citations</a:t>
+              <a:t>But my papers (and text books) have</a:t>
             </a:r>
             <a:br>
-              <a:rPr lang="en-GB" altLang="da-DK" sz="1600" dirty="0" smtClean="0"/>
+              <a:rPr lang="en-GB" altLang="da-DK" sz="1600" dirty="0"/>
             </a:br>
             <a:r>
-              <a:rPr lang="en-GB" altLang="da-DK" sz="1600" dirty="0" smtClean="0"/>
-              <a:t>made within </a:t>
-            </a:r>
-            <a:r>
               <a:rPr lang="en-GB" altLang="da-DK" sz="1600" dirty="0"/>
-              <a:t>the l</a:t>
-            </a:r>
-            <a:r>
-              <a:rPr lang="en-GB" altLang="da-DK" sz="1600" dirty="0" smtClean="0"/>
-              <a:t>ast </a:t>
-            </a:r>
+              <a:t>very high citation numbers</a:t>
+            </a:r>
+          </a:p>
+          <a:p>
+            <a:pPr marL="728663" lvl="1" indent="-271463">
+              <a:spcBef>
+                <a:spcPts val="300"/>
+              </a:spcBef>
+            </a:pPr>
             <a:r>
               <a:rPr lang="en-GB" altLang="da-DK" sz="1600" dirty="0"/>
-              <a:t>5 </a:t>
-            </a:r>
-            <a:r>
-              <a:rPr lang="en-GB" altLang="da-DK" sz="1600" dirty="0" smtClean="0"/>
-              <a:t>years</a:t>
-            </a:r>
-          </a:p>
-          <a:p>
-            <a:pPr marL="728663" lvl="1" indent="-271463">
-              <a:spcBef>
-                <a:spcPts val="300"/>
-              </a:spcBef>
-            </a:pPr>
-            <a:r>
-              <a:rPr lang="en-GB" altLang="da-DK" sz="1600" dirty="0" smtClean="0"/>
-              <a:t>The papers that are cited may</a:t>
+              <a:t>I have only published 1 paper over the</a:t>
             </a:r>
             <a:br>
-              <a:rPr lang="en-GB" altLang="da-DK" sz="1600" dirty="0" smtClean="0"/>
+              <a:rPr lang="en-GB" altLang="da-DK" sz="1600" dirty="0"/>
             </a:br>
             <a:r>
-              <a:rPr lang="en-GB" altLang="da-DK" sz="1600" dirty="0" smtClean="0"/>
-              <a:t>be much older</a:t>
-            </a:r>
-          </a:p>
-          <a:p>
-            <a:pPr marL="271463" lvl="1" indent="-271463">
-              <a:spcBef>
-                <a:spcPts val="1200"/>
-              </a:spcBef>
-              <a:buChar char="•"/>
-            </a:pPr>
-            <a:r>
-              <a:rPr lang="en-GB" altLang="da-DK" sz="1800" b="1" dirty="0" smtClean="0">
-                <a:solidFill>
-                  <a:srgbClr val="A50021"/>
-                </a:solidFill>
-                <a:cs typeface="ＭＳ Ｐゴシック" charset="0"/>
-              </a:rPr>
-              <a:t>My </a:t>
-            </a:r>
-            <a:r>
-              <a:rPr lang="en-GB" altLang="da-DK" sz="1800" b="1" dirty="0">
-                <a:solidFill>
-                  <a:srgbClr val="A50021"/>
-                </a:solidFill>
-                <a:cs typeface="ＭＳ Ｐゴシック" charset="0"/>
-              </a:rPr>
-              <a:t>publication profile is </a:t>
-            </a:r>
-            <a:r>
-              <a:rPr lang="en-GB" altLang="da-DK" sz="1800" b="1" dirty="0" smtClean="0">
-                <a:solidFill>
-                  <a:srgbClr val="A50021"/>
-                </a:solidFill>
-                <a:cs typeface="ＭＳ Ｐゴシック" charset="0"/>
-              </a:rPr>
-              <a:t>atypical</a:t>
-            </a:r>
-            <a:endParaRPr lang="en-GB" altLang="da-DK" sz="1800" b="1" dirty="0">
-              <a:solidFill>
-                <a:srgbClr val="A50021"/>
-              </a:solidFill>
-              <a:cs typeface="ＭＳ Ｐゴシック" charset="0"/>
-            </a:endParaRPr>
-          </a:p>
-          <a:p>
-            <a:pPr marL="728663" lvl="1" indent="-271463">
-              <a:spcBef>
-                <a:spcPts val="300"/>
-              </a:spcBef>
-            </a:pPr>
-            <a:r>
-              <a:rPr lang="en-GB" altLang="da-DK" sz="1600" dirty="0" smtClean="0"/>
-              <a:t>I have published relatively few papers</a:t>
-            </a:r>
-          </a:p>
-          <a:p>
-            <a:pPr marL="728663" lvl="1" indent="-271463">
-              <a:spcBef>
-                <a:spcPts val="300"/>
-              </a:spcBef>
-            </a:pPr>
-            <a:r>
-              <a:rPr lang="en-GB" altLang="da-DK" sz="1600" dirty="0" smtClean="0"/>
-              <a:t>But my papers (and text books) have</a:t>
-            </a:r>
-            <a:br>
-              <a:rPr lang="en-GB" altLang="da-DK" sz="1600" dirty="0" smtClean="0"/>
-            </a:br>
-            <a:r>
-              <a:rPr lang="en-GB" altLang="da-DK" sz="1600" dirty="0" smtClean="0"/>
-              <a:t>very high citation numbers</a:t>
-            </a:r>
-          </a:p>
-          <a:p>
-            <a:pPr marL="728663" lvl="1" indent="-271463">
-              <a:spcBef>
-                <a:spcPts val="300"/>
-              </a:spcBef>
-            </a:pPr>
-            <a:r>
-              <a:rPr lang="en-GB" altLang="da-DK" sz="1600" dirty="0" smtClean="0"/>
-              <a:t>I have only published 1 paper over the</a:t>
-            </a:r>
-            <a:br>
-              <a:rPr lang="en-GB" altLang="da-DK" sz="1600" dirty="0" smtClean="0"/>
-            </a:br>
-            <a:r>
               <a:rPr lang="en-GB" altLang="da-DK" sz="1600" dirty="0"/>
-              <a:t>l</a:t>
-            </a:r>
-            <a:r>
-              <a:rPr lang="en-GB" altLang="da-DK" sz="1600" dirty="0" smtClean="0"/>
-              <a:t>ast 10 years</a:t>
+              <a:t>last 10 years</a:t>
             </a:r>
             <a:endParaRPr lang="en-GB" altLang="da-DK" sz="1600" spc="-60" dirty="0"/>
           </a:p>
@@ -5629,21 +5631,33 @@
       </p:sp>
       <p:grpSp>
         <p:nvGrpSpPr>
-          <p:cNvPr id="5" name="Group 4"/>
+          <p:cNvPr id="10" name="Group 9">
+            <a:extLst>
+              <a:ext uri="{FF2B5EF4-FFF2-40B4-BE49-F238E27FC236}">
+                <a16:creationId xmlns:a16="http://schemas.microsoft.com/office/drawing/2014/main" id="{EB854845-D9E5-4B26-80CD-6E1006B4D500}"/>
+              </a:ext>
+            </a:extLst>
+          </p:cNvPr>
           <p:cNvGrpSpPr/>
           <p:nvPr/>
         </p:nvGrpSpPr>
         <p:grpSpPr>
           <a:xfrm>
-            <a:off x="5004048" y="2780928"/>
-            <a:ext cx="3870176" cy="3459280"/>
-            <a:chOff x="5539770" y="3153794"/>
-            <a:chExt cx="2920662" cy="3097672"/>
+            <a:off x="5076055" y="2927807"/>
+            <a:ext cx="3759323" cy="3115110"/>
+            <a:chOff x="5076055" y="2927807"/>
+            <a:chExt cx="3759323" cy="3115110"/>
           </a:xfrm>
         </p:grpSpPr>
         <p:pic>
           <p:nvPicPr>
-            <p:cNvPr id="4" name="Picture 3"/>
+            <p:cNvPr id="6" name="Picture 5">
+              <a:extLst>
+                <a:ext uri="{FF2B5EF4-FFF2-40B4-BE49-F238E27FC236}">
+                  <a16:creationId xmlns:a16="http://schemas.microsoft.com/office/drawing/2014/main" id="{B17E91E7-7A62-2B08-BD0B-2861E8649DCA}"/>
+                </a:ext>
+              </a:extLst>
+            </p:cNvPr>
             <p:cNvPicPr>
               <a:picLocks noChangeAspect="1"/>
             </p:cNvPicPr>
@@ -5657,13 +5671,13 @@
           </p:blipFill>
           <p:spPr>
             <a:xfrm>
-              <a:off x="5539770" y="3153794"/>
-              <a:ext cx="2920662" cy="3097672"/>
+              <a:off x="5076055" y="2927807"/>
+              <a:ext cx="3759323" cy="3115110"/>
             </a:xfrm>
             <a:prstGeom prst="rect">
               <a:avLst/>
             </a:prstGeom>
-            <a:ln w="19050">
+            <a:ln w="28575">
               <a:solidFill>
                 <a:srgbClr val="FF0000"/>
               </a:solidFill>
@@ -5672,14 +5686,20 @@
         </p:pic>
         <p:sp>
           <p:nvSpPr>
-            <p:cNvPr id="9" name="TextBox 8"/>
+            <p:cNvPr id="7" name="TextBox 6">
+              <a:extLst>
+                <a:ext uri="{FF2B5EF4-FFF2-40B4-BE49-F238E27FC236}">
+                  <a16:creationId xmlns:a16="http://schemas.microsoft.com/office/drawing/2014/main" id="{AA2BFF6C-0B08-5204-551C-E2B4B0BD9F89}"/>
+                </a:ext>
+              </a:extLst>
+            </p:cNvPr>
             <p:cNvSpPr txBox="1"/>
             <p:nvPr/>
           </p:nvSpPr>
           <p:spPr>
             <a:xfrm>
-              <a:off x="5580271" y="3195619"/>
-              <a:ext cx="1080120" cy="276999"/>
+              <a:off x="5149044" y="3015498"/>
+              <a:ext cx="1431270" cy="309335"/>
             </a:xfrm>
             <a:prstGeom prst="rect">
               <a:avLst/>
@@ -5693,18 +5713,13 @@
             <a:lstStyle/>
             <a:p>
               <a:r>
-                <a:rPr lang="da-DK" sz="1200" b="1" dirty="0" smtClean="0">
+                <a:rPr lang="da-DK" sz="1200" b="1" dirty="0">
                   <a:solidFill>
                     <a:srgbClr val="5F5F5F"/>
                   </a:solidFill>
                 </a:rPr>
                 <a:t>Kurt Jensen</a:t>
               </a:r>
-              <a:endParaRPr lang="da-DK" sz="1200" b="1" dirty="0">
-                <a:solidFill>
-                  <a:srgbClr val="5F5F5F"/>
-                </a:solidFill>
-              </a:endParaRPr>
             </a:p>
           </p:txBody>
         </p:sp>
@@ -5719,13 +5734,6 @@
   <p:clrMapOvr>
     <a:masterClrMapping/>
   </p:clrMapOvr>
-  <p:timing>
-    <p:tnLst>
-      <p:par>
-        <p:cTn id="1" dur="indefinite" restart="never" nodeType="tmRoot"/>
-      </p:par>
-    </p:tnLst>
-  </p:timing>
 </p:sld>
 </file>
 
@@ -5770,7 +5778,7 @@
               <a:defRPr/>
             </a:pPr>
             <a:r>
-              <a:rPr lang="en-GB" altLang="da-DK" sz="2800" dirty="0" smtClean="0"/>
+              <a:rPr lang="en-GB" altLang="da-DK" sz="2800" dirty="0"/>
               <a:t>Google Scholar (papers ordered by citations)</a:t>
             </a:r>
           </a:p>
@@ -5913,6 +5921,63 @@
           </a:p>
         </p:txBody>
       </p:sp>
+      <p:sp>
+        <p:nvSpPr>
+          <p:cNvPr id="2" name="TextBox 1">
+            <a:extLst>
+              <a:ext uri="{FF2B5EF4-FFF2-40B4-BE49-F238E27FC236}">
+                <a16:creationId xmlns:a16="http://schemas.microsoft.com/office/drawing/2014/main" id="{90A5A055-632B-8230-9D80-BCC0FC740F86}"/>
+              </a:ext>
+            </a:extLst>
+          </p:cNvPr>
+          <p:cNvSpPr txBox="1"/>
+          <p:nvPr/>
+        </p:nvSpPr>
+        <p:spPr>
+          <a:xfrm>
+            <a:off x="2843808" y="2276872"/>
+            <a:ext cx="4104456" cy="461665"/>
+          </a:xfrm>
+          <a:prstGeom prst="rect">
+            <a:avLst/>
+          </a:prstGeom>
+          <a:noFill/>
+        </p:spPr>
+        <p:txBody>
+          <a:bodyPr wrap="square" rtlCol="0">
+            <a:spAutoFit/>
+          </a:bodyPr>
+          <a:lstStyle/>
+          <a:p>
+            <a:pPr marL="171450" indent="-171450">
+              <a:buFont typeface="Arial" panose="020B0604020202020204" pitchFamily="34" charset="0"/>
+              <a:buChar char="•"/>
+            </a:pPr>
+            <a:r>
+              <a:rPr lang="en-US" sz="1200" b="1" dirty="0">
+                <a:solidFill>
+                  <a:srgbClr val="FF0000"/>
+                </a:solidFill>
+              </a:rPr>
+              <a:t>This and the following screenshots are from 2025</a:t>
+            </a:r>
+          </a:p>
+          <a:p>
+            <a:pPr marL="171450" indent="-171450">
+              <a:buFont typeface="Arial" panose="020B0604020202020204" pitchFamily="34" charset="0"/>
+              <a:buChar char="•"/>
+            </a:pPr>
+            <a:r>
+              <a:rPr lang="en-US" sz="1200" b="1" dirty="0">
+                <a:solidFill>
+                  <a:srgbClr val="FF0000"/>
+                </a:solidFill>
+              </a:rPr>
+              <a:t>Today numbers are slightly different</a:t>
+            </a:r>
+          </a:p>
+        </p:txBody>
+      </p:sp>
     </p:spTree>
     <p:extLst>
       <p:ext uri="{BB962C8B-B14F-4D97-AF65-F5344CB8AC3E}">
@@ -5923,13 +5988,6 @@
   <p:clrMapOvr>
     <a:masterClrMapping/>
   </p:clrMapOvr>
-  <p:timing>
-    <p:tnLst>
-      <p:par>
-        <p:cTn id="1" dur="indefinite" restart="never" nodeType="tmRoot"/>
-      </p:par>
-    </p:tnLst>
-  </p:timing>
 </p:sld>
 </file>
 
@@ -5998,7 +6056,7 @@
               <a:defRPr/>
             </a:pPr>
             <a:r>
-              <a:rPr lang="en-GB" altLang="da-DK" sz="2800" dirty="0" smtClean="0"/>
+              <a:rPr lang="en-GB" altLang="da-DK" sz="2800" dirty="0"/>
               <a:t>Individual papers</a:t>
             </a:r>
           </a:p>
@@ -6248,7 +6306,7 @@
               <a:buChar char="•"/>
             </a:pPr>
             <a:r>
-              <a:rPr lang="en-GB" altLang="da-DK" sz="1800" b="1" kern="0" dirty="0" smtClean="0">
+              <a:rPr lang="en-GB" altLang="da-DK" sz="1800" b="1" kern="0" dirty="0">
                 <a:solidFill>
                   <a:srgbClr val="A50021"/>
                 </a:solidFill>
@@ -6264,11 +6322,11 @@
               </a:spcBef>
             </a:pPr>
             <a:r>
-              <a:rPr lang="en-GB" altLang="da-DK" sz="1600" dirty="0" smtClean="0"/>
+              <a:rPr lang="en-GB" altLang="da-DK" sz="1600" dirty="0"/>
               <a:t>See where it is published, citation statistics, the beginning of the abstract</a:t>
             </a:r>
             <a:r>
-              <a:rPr lang="en-GB" altLang="da-DK" sz="1600" smtClean="0"/>
+              <a:rPr lang="en-GB" altLang="da-DK" sz="1600"/>
               <a:t>, etc.</a:t>
             </a:r>
             <a:endParaRPr lang="en-GB" altLang="da-DK" sz="1600" dirty="0"/>
@@ -6280,18 +6338,9 @@
               </a:spcBef>
             </a:pPr>
             <a:r>
-              <a:rPr lang="en-GB" altLang="da-DK" sz="1600" dirty="0" smtClean="0"/>
-              <a:t>download </a:t>
-            </a:r>
-            <a:r>
               <a:rPr lang="en-GB" altLang="da-DK" sz="1600" dirty="0"/>
-              <a:t>the </a:t>
-            </a:r>
-            <a:r>
-              <a:rPr lang="en-GB" altLang="da-DK" sz="1600" dirty="0" smtClean="0"/>
-              <a:t>paper (in most cases)</a:t>
-            </a:r>
-            <a:endParaRPr lang="en-GB" altLang="da-DK" sz="1600" dirty="0"/>
+              <a:t>download the paper (in most cases)</a:t>
+            </a:r>
           </a:p>
         </p:txBody>
       </p:sp>
@@ -6332,7 +6381,7 @@
               <a:buChar char="•"/>
             </a:pPr>
             <a:r>
-              <a:rPr lang="en-US" sz="1100" b="1" dirty="0" smtClean="0">
+              <a:rPr lang="en-US" sz="1100" b="1" dirty="0">
                 <a:solidFill>
                   <a:srgbClr val="0000CC"/>
                 </a:solidFill>
@@ -6349,7 +6398,7 @@
               <a:buChar char="•"/>
             </a:pPr>
             <a:r>
-              <a:rPr lang="en-US" sz="1100" b="1" dirty="0" smtClean="0">
+              <a:rPr lang="en-US" sz="1100" b="1" dirty="0">
                 <a:solidFill>
                   <a:srgbClr val="0000CC"/>
                 </a:solidFill>
@@ -6371,18 +6420,10 @@
                   <a:srgbClr val="0000CC"/>
                 </a:solidFill>
               </a:rPr>
-              <a:t>T</a:t>
-            </a:r>
-            <a:r>
-              <a:rPr lang="en-US" sz="1100" b="1" dirty="0" smtClean="0">
-                <a:solidFill>
-                  <a:srgbClr val="0000CC"/>
-                </a:solidFill>
-              </a:rPr>
-              <a:t>o use them, you must be on the AU network (e.g. via </a:t>
-            </a:r>
-            <a:r>
-              <a:rPr lang="en-US" sz="1100" b="1" dirty="0" err="1" smtClean="0">
+              <a:t>To use them, you must be on the AU network (e.g. via </a:t>
+            </a:r>
+            <a:r>
+              <a:rPr lang="en-US" sz="1100" b="1" dirty="0" err="1">
                 <a:solidFill>
                   <a:srgbClr val="0000CC"/>
                 </a:solidFill>
@@ -6390,7 +6431,7 @@
               <a:t>vpn</a:t>
             </a:r>
             <a:r>
-              <a:rPr lang="en-US" sz="1100" b="1" dirty="0" smtClean="0">
+              <a:rPr lang="en-US" sz="1100" b="1" dirty="0">
                 <a:solidFill>
                   <a:srgbClr val="0000CC"/>
                 </a:solidFill>
@@ -6407,7 +6448,7 @@
               <a:buChar char="•"/>
             </a:pPr>
             <a:r>
-              <a:rPr lang="en-US" sz="1100" b="1" dirty="0" smtClean="0">
+              <a:rPr lang="en-US" sz="1100" b="1" dirty="0">
                 <a:solidFill>
                   <a:srgbClr val="0000CC"/>
                 </a:solidFill>
@@ -6424,18 +6465,13 @@
               <a:buChar char="•"/>
             </a:pPr>
             <a:r>
-              <a:rPr lang="en-US" sz="1100" b="1" dirty="0" smtClean="0">
+              <a:rPr lang="en-US" sz="1100" b="1" dirty="0">
                 <a:solidFill>
                   <a:srgbClr val="0000CC"/>
                 </a:solidFill>
               </a:rPr>
               <a:t>Many CS researchers have copies of their papers on their personal home pages (which Google Scholar has a reference to)</a:t>
             </a:r>
-            <a:endParaRPr lang="en-US" sz="1100" b="1" dirty="0">
-              <a:solidFill>
-                <a:srgbClr val="0000CC"/>
-              </a:solidFill>
-            </a:endParaRPr>
           </a:p>
         </p:txBody>
       </p:sp>
@@ -6547,18 +6583,13 @@
           <a:lstStyle/>
           <a:p>
             <a:r>
-              <a:rPr lang="en-US" sz="1200" b="1" dirty="0" smtClean="0">
+              <a:rPr lang="en-US" sz="1200" b="1" dirty="0">
                 <a:solidFill>
                   <a:srgbClr val="FF0000"/>
                 </a:solidFill>
               </a:rPr>
               <a:t>PDF</a:t>
             </a:r>
-            <a:endParaRPr lang="en-US" sz="1200" b="1" dirty="0">
-              <a:solidFill>
-                <a:srgbClr val="FF0000"/>
-              </a:solidFill>
-            </a:endParaRPr>
           </a:p>
         </p:txBody>
       </p:sp>
@@ -6719,18 +6750,13 @@
           <a:lstStyle/>
           <a:p>
             <a:r>
-              <a:rPr lang="en-US" sz="1100" b="1" dirty="0" smtClean="0">
+              <a:rPr lang="en-US" sz="1100" b="1" dirty="0">
                 <a:solidFill>
                   <a:srgbClr val="5F5F5F"/>
                 </a:solidFill>
               </a:rPr>
-              <a:t>About 50.500 results (0,09 sec)</a:t>
-            </a:r>
-            <a:endParaRPr lang="en-US" sz="1100" b="1" dirty="0">
-              <a:solidFill>
-                <a:srgbClr val="5F5F5F"/>
-              </a:solidFill>
-            </a:endParaRPr>
+              <a:t>About 51.600 results (0,11 sec)</a:t>
+            </a:r>
           </a:p>
         </p:txBody>
       </p:sp>
@@ -6758,20 +6784,8 @@
               <a:defRPr/>
             </a:pPr>
             <a:r>
-              <a:rPr lang="en-US" altLang="da-DK" sz="2800" dirty="0" smtClean="0"/>
-              <a:t>Search </a:t>
-            </a:r>
-            <a:r>
               <a:rPr lang="en-US" altLang="da-DK" sz="2800" dirty="0"/>
-              <a:t>for papers </a:t>
-            </a:r>
-            <a:r>
-              <a:rPr lang="en-US" altLang="da-DK" sz="2800" dirty="0" smtClean="0"/>
-              <a:t>without specifying </a:t>
-            </a:r>
-            <a:r>
-              <a:rPr lang="en-US" altLang="da-DK" sz="2800" dirty="0"/>
-              <a:t>the author</a:t>
+              <a:t>Search for papers without specifying the author</a:t>
             </a:r>
           </a:p>
         </p:txBody>
@@ -6998,18 +7012,13 @@
           <a:lstStyle/>
           <a:p>
             <a:r>
-              <a:rPr lang="en-US" sz="1200" b="1" dirty="0" smtClean="0">
+              <a:rPr lang="en-US" sz="1200" b="1" dirty="0">
                 <a:solidFill>
                   <a:srgbClr val="FF0000"/>
                 </a:solidFill>
               </a:rPr>
               <a:t>Different search criteria by which you can limit the search</a:t>
             </a:r>
-            <a:endParaRPr lang="en-US" sz="1200" b="1" dirty="0">
-              <a:solidFill>
-                <a:srgbClr val="FF0000"/>
-              </a:solidFill>
-            </a:endParaRPr>
           </a:p>
         </p:txBody>
       </p:sp>
@@ -7291,18 +7300,13 @@
           <a:lstStyle/>
           <a:p>
             <a:r>
-              <a:rPr lang="en-US" sz="1200" b="1" dirty="0" smtClean="0">
+              <a:rPr lang="en-US" sz="1200" b="1" dirty="0">
                 <a:solidFill>
                   <a:srgbClr val="0000CC"/>
                 </a:solidFill>
               </a:rPr>
               <a:t>In some research areas, it may also be interesting to search for patents</a:t>
             </a:r>
-            <a:endParaRPr lang="en-US" sz="1200" b="1" dirty="0">
-              <a:solidFill>
-                <a:srgbClr val="0000CC"/>
-              </a:solidFill>
-            </a:endParaRPr>
           </a:p>
         </p:txBody>
       </p:sp>
@@ -7329,34 +7333,13 @@
           <a:lstStyle/>
           <a:p>
             <a:r>
-              <a:rPr lang="en-US" sz="1200" b="1" dirty="0" smtClean="0">
+              <a:rPr lang="en-US" sz="1200" b="1" dirty="0">
                 <a:solidFill>
                   <a:srgbClr val="008000"/>
                 </a:solidFill>
               </a:rPr>
-              <a:t>Search for</a:t>
-            </a:r>
-            <a:r>
-              <a:rPr lang="en-US" sz="1200" b="1" dirty="0">
-                <a:solidFill>
-                  <a:srgbClr val="008000"/>
-                </a:solidFill>
-              </a:rPr>
-              <a:t> </a:t>
-            </a:r>
-            <a:r>
-              <a:rPr lang="en-US" sz="1200" b="1" dirty="0" smtClean="0">
-                <a:solidFill>
-                  <a:srgbClr val="008000"/>
-                </a:solidFill>
-              </a:rPr>
-              <a:t>“colored Petri nets" (US spelling) gives another 68.300 hits</a:t>
-            </a:r>
-            <a:endParaRPr lang="en-US" sz="1200" b="1" dirty="0">
-              <a:solidFill>
-                <a:srgbClr val="008000"/>
-              </a:solidFill>
-            </a:endParaRPr>
+              <a:t>Search for “colored Petri nets" (US spelling) gives another 72.800 hits</a:t>
+            </a:r>
           </a:p>
         </p:txBody>
       </p:sp>
@@ -7781,10 +7764,9 @@
               <a:defRPr/>
             </a:pPr>
             <a:r>
-              <a:rPr lang="en-US" altLang="da-DK" sz="2800" dirty="0" smtClean="0"/>
+              <a:rPr lang="en-US" altLang="da-DK" sz="2800" dirty="0"/>
               <a:t>DBLP computer science bibliography</a:t>
             </a:r>
-            <a:endParaRPr lang="en-US" altLang="da-DK" sz="2800" dirty="0"/>
           </a:p>
         </p:txBody>
       </p:sp>
@@ -8002,7 +7984,7 @@
               <a:buFontTx/>
               <a:buChar char="•"/>
             </a:pPr>
-            <a:endParaRPr lang="en-GB" altLang="da-DK" sz="1800" b="1" kern="0" spc="-50" dirty="0" smtClean="0">
+            <a:endParaRPr lang="en-GB" altLang="da-DK" sz="1800" b="1" kern="0" spc="-50" dirty="0">
               <a:solidFill>
                 <a:srgbClr val="A50021"/>
               </a:solidFill>
@@ -8255,13 +8237,22 @@
               <a:buChar char="•"/>
             </a:pPr>
             <a:r>
-              <a:rPr lang="en-US" sz="1800" b="1" kern="0" dirty="0" smtClean="0">
+              <a:rPr lang="en-US" sz="1800" b="1" kern="0" dirty="0">
                 <a:solidFill>
                   <a:srgbClr val="A50021"/>
                 </a:solidFill>
                 <a:cs typeface="ＭＳ Ｐゴシック" charset="0"/>
               </a:rPr>
-              <a:t>Contains 7 </a:t>
+              <a:t>Contains more </a:t>
+            </a:r>
+            <a:r>
+              <a:rPr lang="en-US" sz="1800" b="1" kern="0">
+                <a:solidFill>
+                  <a:srgbClr val="A50021"/>
+                </a:solidFill>
+                <a:cs typeface="ＭＳ Ｐゴシック" charset="0"/>
+              </a:rPr>
+              <a:t>than 8 </a:t>
             </a:r>
             <a:r>
               <a:rPr lang="en-US" sz="1800" b="1" kern="0" dirty="0">
@@ -8282,12 +8273,8 @@
               <a:buChar char="–"/>
             </a:pPr>
             <a:r>
-              <a:rPr lang="en-GB" altLang="da-DK" sz="1600" kern="0" dirty="0" smtClean="0"/>
-              <a:t>Covers </a:t>
-            </a:r>
-            <a:r>
               <a:rPr lang="en-GB" altLang="da-DK" sz="1600" kern="0" dirty="0"/>
-              <a:t>all important journals and many conferences</a:t>
+              <a:t>Covers all important journals and many conferences</a:t>
             </a:r>
           </a:p>
           <a:p>
@@ -8299,16 +8286,8 @@
               <a:buChar char="–"/>
             </a:pPr>
             <a:r>
-              <a:rPr lang="en-GB" altLang="da-DK" sz="1600" kern="0" dirty="0" smtClean="0"/>
-              <a:t>Started 1993 by the University </a:t>
-            </a:r>
-            <a:r>
               <a:rPr lang="en-GB" altLang="da-DK" sz="1600" kern="0" dirty="0"/>
-              <a:t>of Trier, </a:t>
-            </a:r>
-            <a:r>
-              <a:rPr lang="en-GB" altLang="da-DK" sz="1600" kern="0" dirty="0" smtClean="0"/>
-              <a:t>Germany</a:t>
+              <a:t>Started 1993 by the University of Trier, Germany</a:t>
             </a:r>
           </a:p>
           <a:p>
@@ -8320,47 +8299,47 @@
               <a:buChar char="–"/>
             </a:pPr>
             <a:r>
-              <a:rPr lang="en-GB" altLang="da-DK" sz="1600" kern="0" dirty="0" smtClean="0"/>
+              <a:rPr lang="en-GB" altLang="da-DK" sz="1600" kern="0" dirty="0"/>
               <a:t>Since 2018 operated by </a:t>
             </a:r>
             <a:r>
-              <a:rPr lang="en-GB" altLang="da-DK" sz="1600" kern="0" dirty="0" err="1" smtClean="0"/>
+              <a:rPr lang="en-GB" altLang="da-DK" sz="1600" kern="0" dirty="0" err="1"/>
               <a:t>Schloss</a:t>
             </a:r>
             <a:r>
-              <a:rPr lang="en-GB" altLang="da-DK" sz="1600" kern="0" dirty="0" smtClean="0"/>
+              <a:rPr lang="en-GB" altLang="da-DK" sz="1600" kern="0" dirty="0"/>
               <a:t> </a:t>
             </a:r>
             <a:r>
-              <a:rPr lang="en-GB" altLang="da-DK" sz="1600" kern="0" dirty="0" err="1" smtClean="0"/>
+              <a:rPr lang="en-GB" altLang="da-DK" sz="1600" kern="0" dirty="0" err="1"/>
               <a:t>Dagstuhl</a:t>
             </a:r>
             <a:r>
-              <a:rPr lang="en-GB" altLang="da-DK" sz="1600" kern="0" dirty="0" smtClean="0"/>
+              <a:rPr lang="en-GB" altLang="da-DK" sz="1600" kern="0" dirty="0"/>
               <a:t> – Leibniz-</a:t>
             </a:r>
             <a:r>
-              <a:rPr lang="en-GB" altLang="da-DK" sz="1600" kern="0" dirty="0" err="1" smtClean="0"/>
+              <a:rPr lang="en-GB" altLang="da-DK" sz="1600" kern="0" dirty="0" err="1"/>
               <a:t>Zentrum</a:t>
             </a:r>
             <a:r>
-              <a:rPr lang="en-GB" altLang="da-DK" sz="1600" kern="0" dirty="0" smtClean="0"/>
+              <a:rPr lang="en-GB" altLang="da-DK" sz="1600" kern="0" dirty="0"/>
               <a:t> </a:t>
             </a:r>
             <a:r>
-              <a:rPr lang="en-GB" altLang="da-DK" sz="1600" kern="0" dirty="0" err="1" smtClean="0"/>
+              <a:rPr lang="en-GB" altLang="da-DK" sz="1600" kern="0" dirty="0" err="1"/>
               <a:t>für</a:t>
             </a:r>
             <a:r>
-              <a:rPr lang="en-GB" altLang="da-DK" sz="1600" kern="0" dirty="0" smtClean="0"/>
+              <a:rPr lang="en-GB" altLang="da-DK" sz="1600" kern="0" dirty="0"/>
               <a:t> </a:t>
             </a:r>
             <a:r>
-              <a:rPr lang="en-GB" altLang="da-DK" sz="1600" kern="0" dirty="0" err="1" smtClean="0"/>
+              <a:rPr lang="en-GB" altLang="da-DK" sz="1600" kern="0" dirty="0" err="1"/>
               <a:t>Informatik</a:t>
             </a:r>
             <a:r>
-              <a:rPr lang="en-GB" altLang="da-DK" sz="1600" kern="0" dirty="0" smtClean="0"/>
+              <a:rPr lang="en-GB" altLang="da-DK" sz="1600" kern="0" dirty="0"/>
               <a:t>, Germany</a:t>
             </a:r>
           </a:p>
@@ -8373,7 +8352,7 @@
               <a:buChar char="–"/>
             </a:pPr>
             <a:r>
-              <a:rPr lang="en-GB" altLang="da-DK" sz="1600" kern="0" dirty="0" smtClean="0"/>
+              <a:rPr lang="en-GB" altLang="da-DK" sz="1600" kern="0" dirty="0"/>
               <a:t>A lot of different information is available (you can search for persons, conferences, journals, publication series, etc.)</a:t>
             </a:r>
           </a:p>
@@ -8386,7 +8365,7 @@
               <a:buChar char="•"/>
             </a:pPr>
             <a:r>
-              <a:rPr lang="en-GB" altLang="da-DK" sz="1800" b="1" kern="0" dirty="0" smtClean="0">
+              <a:rPr lang="en-GB" altLang="da-DK" sz="1800" b="1" kern="0" dirty="0">
                 <a:solidFill>
                   <a:srgbClr val="A50021"/>
                 </a:solidFill>
@@ -8394,12 +8373,6 @@
               </a:rPr>
               <a:t>More information</a:t>
             </a:r>
-            <a:endParaRPr lang="en-GB" altLang="da-DK" sz="1800" b="1" kern="0" dirty="0">
-              <a:solidFill>
-                <a:srgbClr val="A50021"/>
-              </a:solidFill>
-              <a:cs typeface="ＭＳ Ｐゴシック" charset="0"/>
-            </a:endParaRPr>
           </a:p>
           <a:p>
             <a:pPr marL="728663" lvl="1" indent="-271463">
@@ -8408,12 +8381,8 @@
               </a:spcBef>
             </a:pPr>
             <a:r>
-              <a:rPr lang="en-GB" altLang="da-DK" sz="1600" kern="0" dirty="0" smtClean="0"/>
-              <a:t>Data </a:t>
-            </a:r>
-            <a:r>
               <a:rPr lang="en-GB" altLang="da-DK" sz="1600" kern="0" dirty="0"/>
-              <a:t>base   </a:t>
+              <a:t>Data base   </a:t>
             </a:r>
             <a:r>
               <a:rPr lang="en-GB" altLang="da-DK" sz="1600" kern="0" dirty="0">
@@ -8430,11 +8399,11 @@
               </a:spcBef>
             </a:pPr>
             <a:r>
-              <a:rPr lang="en-GB" altLang="da-DK" sz="1600" kern="0" dirty="0" err="1" smtClean="0"/>
+              <a:rPr lang="en-GB" altLang="da-DK" sz="1600" kern="0" dirty="0" err="1"/>
               <a:t>Wikepedia</a:t>
             </a:r>
             <a:r>
-              <a:rPr lang="en-GB" altLang="da-DK" sz="1600" kern="0" dirty="0" smtClean="0"/>
+              <a:rPr lang="en-GB" altLang="da-DK" sz="1600" kern="0" dirty="0"/>
               <a:t>   </a:t>
             </a:r>
             <a:r>
@@ -8453,40 +8422,20 @@
             </a:pPr>
             <a:r>
               <a:rPr lang="en-GB" altLang="da-DK" sz="1600" kern="0" dirty="0"/>
-              <a:t>Scientific paper on the history and development of </a:t>
-            </a:r>
-            <a:r>
-              <a:rPr lang="en-GB" altLang="da-DK" sz="1600" kern="0" dirty="0" smtClean="0"/>
-              <a:t>DBLP   </a:t>
-            </a:r>
-            <a:r>
-              <a:rPr lang="en-GB" altLang="da-DK" sz="1600" kern="0" dirty="0" smtClean="0">
+              <a:t>Scientific paper on the history and development of DBLP   </a:t>
+            </a:r>
+            <a:r>
+              <a:rPr lang="en-GB" altLang="da-DK" sz="1600" kern="0" dirty="0">
                 <a:hlinkClick r:id="rId5"/>
               </a:rPr>
               <a:t>Link</a:t>
             </a:r>
-            <a:r>
-              <a:rPr lang="en-GB" altLang="da-DK" sz="1600" kern="0" dirty="0" smtClean="0"/>
-              <a:t/>
-            </a:r>
             <a:br>
-              <a:rPr lang="en-GB" altLang="da-DK" sz="1600" kern="0" dirty="0" smtClean="0"/>
+              <a:rPr lang="en-GB" altLang="da-DK" sz="1600" kern="0" dirty="0"/>
             </a:br>
             <a:r>
-              <a:rPr lang="en-GB" altLang="da-DK" sz="1600" kern="0" dirty="0" smtClean="0"/>
-              <a:t>(</a:t>
-            </a:r>
-            <a:r>
               <a:rPr lang="en-GB" altLang="da-DK" sz="1600" kern="0" dirty="0"/>
-              <a:t>demands </a:t>
-            </a:r>
-            <a:r>
-              <a:rPr lang="en-GB" altLang="da-DK" sz="1600" kern="0" dirty="0" smtClean="0"/>
-              <a:t>that you </a:t>
-            </a:r>
-            <a:r>
-              <a:rPr lang="en-GB" altLang="da-DK" sz="1600" kern="0" dirty="0"/>
-              <a:t>have access to Springer LINK)</a:t>
+              <a:t>(demands that you have access to Springer LINK)</a:t>
             </a:r>
           </a:p>
           <a:p>
@@ -8511,13 +8460,6 @@
   <p:clrMapOvr>
     <a:masterClrMapping/>
   </p:clrMapOvr>
-  <p:timing>
-    <p:tnLst>
-      <p:par>
-        <p:cTn id="1" dur="indefinite" restart="never" nodeType="tmRoot"/>
-      </p:par>
-    </p:tnLst>
-  </p:timing>
 </p:sld>
 </file>
 
@@ -8562,10 +8504,9 @@
               <a:defRPr/>
             </a:pPr>
             <a:r>
-              <a:rPr lang="en-US" altLang="da-DK" sz="2800" dirty="0" smtClean="0"/>
+              <a:rPr lang="en-US" altLang="da-DK" sz="2800" dirty="0"/>
               <a:t>Semantic Scholar</a:t>
             </a:r>
-            <a:endParaRPr lang="en-US" altLang="da-DK" sz="2800" dirty="0"/>
           </a:p>
         </p:txBody>
       </p:sp>
@@ -8783,7 +8724,7 @@
               <a:buFontTx/>
               <a:buChar char="•"/>
             </a:pPr>
-            <a:endParaRPr lang="en-GB" altLang="da-DK" sz="1800" b="1" kern="0" spc="-50" dirty="0" smtClean="0">
+            <a:endParaRPr lang="en-GB" altLang="da-DK" sz="1800" b="1" kern="0" spc="-50" dirty="0">
               <a:solidFill>
                 <a:srgbClr val="A50021"/>
               </a:solidFill>
@@ -9036,20 +8977,14 @@
               <a:buChar char="•"/>
             </a:pPr>
             <a:r>
-              <a:rPr lang="en-US" sz="1800" b="1" kern="0" spc="-70" dirty="0" smtClean="0">
+              <a:rPr lang="en-US" sz="1800" b="1" kern="0" spc="-70" dirty="0">
                 <a:solidFill>
                   <a:srgbClr val="A50021"/>
                 </a:solidFill>
                 <a:cs typeface="ＭＳ Ｐゴシック" charset="0"/>
               </a:rPr>
-              <a:t>Contains nearly 200 million papers</a:t>
-            </a:r>
-            <a:endParaRPr lang="en-US" sz="1800" b="1" kern="0" spc="-70" dirty="0">
-              <a:solidFill>
-                <a:srgbClr val="A50021"/>
-              </a:solidFill>
-              <a:cs typeface="ＭＳ Ｐゴシック" charset="0"/>
-            </a:endParaRPr>
+              <a:t>Contains more than 200 million papers</a:t>
+            </a:r>
           </a:p>
           <a:p>
             <a:pPr marL="728663" lvl="1" indent="-271463">
@@ -9058,12 +8993,8 @@
               </a:spcBef>
             </a:pPr>
             <a:r>
-              <a:rPr lang="en-GB" altLang="da-DK" sz="1600" kern="0" dirty="0" smtClean="0"/>
-              <a:t>Initially for computer </a:t>
-            </a:r>
-            <a:r>
               <a:rPr lang="en-GB" altLang="da-DK" sz="1600" kern="0" dirty="0"/>
-              <a:t>science, geoscience and neuroscience – but covers now all fields of science (</a:t>
+              <a:t>Initially for computer science, geoscience and neuroscience – but covers now all fields of science (</a:t>
             </a:r>
             <a:r>
               <a:rPr lang="en-GB" altLang="da-DK" sz="1600" kern="0" dirty="0" err="1"/>
@@ -9083,16 +9014,8 @@
               <a:buChar char="–"/>
             </a:pPr>
             <a:r>
-              <a:rPr lang="en-GB" altLang="da-DK" sz="1600" kern="0" dirty="0" smtClean="0"/>
-              <a:t>Covers </a:t>
-            </a:r>
-            <a:r>
               <a:rPr lang="en-GB" altLang="da-DK" sz="1600" kern="0" dirty="0"/>
-              <a:t>all important journals and many </a:t>
-            </a:r>
-            <a:r>
-              <a:rPr lang="en-GB" altLang="da-DK" sz="1600" kern="0" dirty="0" smtClean="0"/>
-              <a:t>conferences</a:t>
+              <a:t>Covers all important journals and many conferences</a:t>
             </a:r>
           </a:p>
           <a:p>
@@ -9102,11 +9025,11 @@
               </a:spcBef>
             </a:pPr>
             <a:r>
-              <a:rPr lang="en-US" altLang="da-DK" sz="1600" kern="0" dirty="0" smtClean="0"/>
+              <a:rPr lang="en-US" altLang="da-DK" sz="1600" kern="0" dirty="0"/>
               <a:t>Maintained by the </a:t>
             </a:r>
             <a:r>
-              <a:rPr lang="en-US" sz="1600" kern="0" dirty="0" smtClean="0"/>
+              <a:rPr lang="en-US" sz="1600" kern="0" dirty="0"/>
               <a:t>Allen Institute for Artificial Intelligence since 2015</a:t>
             </a:r>
           </a:p>
@@ -9117,12 +9040,8 @@
               </a:spcBef>
             </a:pPr>
             <a:r>
-              <a:rPr lang="en-US" altLang="da-DK" sz="1600" kern="0" dirty="0" smtClean="0"/>
-              <a:t>Adds </a:t>
-            </a:r>
-            <a:r>
               <a:rPr lang="en-US" altLang="da-DK" sz="1600" kern="0" dirty="0"/>
-              <a:t>a layer of semantic analysis to the traditional methods of citation analysis</a:t>
+              <a:t>Adds a layer of semantic analysis to the traditional methods of citation analysis</a:t>
             </a:r>
             <a:endParaRPr lang="en-GB" altLang="da-DK" sz="1600" kern="0" dirty="0"/>
           </a:p>
@@ -9135,7 +9054,7 @@
               <a:buChar char="–"/>
             </a:pPr>
             <a:r>
-              <a:rPr lang="en-GB" altLang="da-DK" sz="1600" kern="0" dirty="0" smtClean="0"/>
+              <a:rPr lang="en-GB" altLang="da-DK" sz="1600" kern="0" dirty="0"/>
               <a:t>A lot of different information is available</a:t>
             </a:r>
           </a:p>
@@ -9148,7 +9067,7 @@
               <a:buChar char="•"/>
             </a:pPr>
             <a:r>
-              <a:rPr lang="en-GB" altLang="da-DK" sz="1800" b="1" kern="0" dirty="0" smtClean="0">
+              <a:rPr lang="en-GB" altLang="da-DK" sz="1800" b="1" kern="0" dirty="0">
                 <a:solidFill>
                   <a:srgbClr val="A50021"/>
                 </a:solidFill>
@@ -9156,12 +9075,6 @@
               </a:rPr>
               <a:t>More information</a:t>
             </a:r>
-            <a:endParaRPr lang="en-GB" altLang="da-DK" sz="1800" b="1" kern="0" dirty="0">
-              <a:solidFill>
-                <a:srgbClr val="A50021"/>
-              </a:solidFill>
-              <a:cs typeface="ＭＳ Ｐゴシック" charset="0"/>
-            </a:endParaRPr>
           </a:p>
           <a:p>
             <a:pPr marL="728663" lvl="1" indent="-271463">
@@ -9170,12 +9083,8 @@
               </a:spcBef>
             </a:pPr>
             <a:r>
-              <a:rPr lang="en-GB" altLang="da-DK" sz="1600" kern="0" dirty="0" smtClean="0"/>
-              <a:t>Data </a:t>
-            </a:r>
-            <a:r>
               <a:rPr lang="en-GB" altLang="da-DK" sz="1600" kern="0" dirty="0"/>
-              <a:t>base   </a:t>
+              <a:t>Data base   </a:t>
             </a:r>
             <a:r>
               <a:rPr lang="en-GB" altLang="da-DK" sz="1600" kern="0" dirty="0">
@@ -9192,11 +9101,11 @@
               </a:spcBef>
             </a:pPr>
             <a:r>
-              <a:rPr lang="en-GB" altLang="da-DK" sz="1600" kern="0" dirty="0" err="1" smtClean="0"/>
+              <a:rPr lang="en-GB" altLang="da-DK" sz="1600" kern="0" dirty="0" err="1"/>
               <a:t>Wikepedia</a:t>
             </a:r>
             <a:r>
-              <a:rPr lang="en-GB" altLang="da-DK" sz="1600" kern="0" dirty="0" smtClean="0"/>
+              <a:rPr lang="en-GB" altLang="da-DK" sz="1600" kern="0" dirty="0"/>
               <a:t>   </a:t>
             </a:r>
             <a:r>
@@ -9215,14 +9124,10 @@
             </a:pPr>
             <a:r>
               <a:rPr lang="en-GB" altLang="da-DK" sz="1600" kern="0" dirty="0"/>
-              <a:t>Scientific paper on the history and development of </a:t>
-            </a:r>
-            <a:r>
-              <a:rPr lang="en-GB" altLang="da-DK" sz="1600" kern="0" dirty="0" smtClean="0"/>
-              <a:t>Semantic Scholar   </a:t>
-            </a:r>
-            <a:r>
-              <a:rPr lang="en-GB" altLang="da-DK" sz="1600" kern="0" dirty="0" smtClean="0">
+              <a:t>Scientific paper on the history and development of Semantic Scholar   </a:t>
+            </a:r>
+            <a:r>
+              <a:rPr lang="en-GB" altLang="da-DK" sz="1600" kern="0" dirty="0">
                 <a:hlinkClick r:id="rId5"/>
               </a:rPr>
               <a:t>Link</a:t>
@@ -9241,13 +9146,6 @@
   <p:clrMapOvr>
     <a:masterClrMapping/>
   </p:clrMapOvr>
-  <p:timing>
-    <p:tnLst>
-      <p:par>
-        <p:cTn id="1" dur="indefinite" restart="never" nodeType="tmRoot"/>
-      </p:par>
-    </p:tnLst>
-  </p:timing>
 </p:sld>
 </file>
 
@@ -9308,10 +9206,9 @@
           <a:lstStyle/>
           <a:p>
             <a:r>
-              <a:rPr lang="da-DK" sz="2800" dirty="0" smtClean="0"/>
+              <a:rPr lang="da-DK" sz="2800" dirty="0"/>
               <a:t>AU Library, Katrinebjerg</a:t>
             </a:r>
-            <a:endParaRPr lang="da-DK" sz="2800" dirty="0"/>
           </a:p>
         </p:txBody>
       </p:sp>
@@ -9440,7 +9337,7 @@
               <a:t> </a:t>
             </a:r>
             <a:r>
-              <a:rPr lang="da-DK" sz="1600" b="1" dirty="0" smtClean="0">
+              <a:rPr lang="da-DK" sz="1600" b="1" dirty="0">
                 <a:solidFill>
                   <a:srgbClr val="008000"/>
                 </a:solidFill>
@@ -9667,22 +9564,13 @@
               <a:buChar char="•"/>
             </a:pPr>
             <a:r>
-              <a:rPr lang="en-GB" sz="1800" b="1" dirty="0" smtClean="0">
+              <a:rPr lang="en-GB" sz="1800" b="1" dirty="0">
                 <a:solidFill>
                   <a:srgbClr val="A50021"/>
                 </a:solidFill>
                 <a:cs typeface="ＭＳ Ｐゴシック" charset="0"/>
               </a:rPr>
-              <a:t>Seeking </a:t>
-            </a:r>
-            <a:r>
-              <a:rPr lang="en-GB" sz="1800" b="1" dirty="0">
-                <a:solidFill>
-                  <a:srgbClr val="A50021"/>
-                </a:solidFill>
-                <a:cs typeface="ＭＳ Ｐゴシック" charset="0"/>
-              </a:rPr>
-              <a:t>information</a:t>
+              <a:t>Seeking information</a:t>
             </a:r>
           </a:p>
           <a:p>
@@ -9696,7 +9584,7 @@
               <a:t>http://library.au.dk/en/students/information-seeking/   </a:t>
             </a:r>
             <a:r>
-              <a:rPr lang="en-GB" sz="1600" b="1" dirty="0" smtClean="0">
+              <a:rPr lang="en-GB" sz="1600" b="1" dirty="0">
                 <a:hlinkClick r:id="rId4"/>
               </a:rPr>
               <a:t>Link</a:t>
@@ -9732,7 +9620,7 @@
               <a:t>http://library.au.dk/en/subject-areas/electrical-and-computer-engineering/   </a:t>
             </a:r>
             <a:r>
-              <a:rPr lang="en-GB" sz="1600" b="1" dirty="0" smtClean="0">
+              <a:rPr lang="en-GB" sz="1600" b="1" dirty="0">
                 <a:hlinkClick r:id="rId5"/>
               </a:rPr>
               <a:t>Link</a:t>
@@ -9744,7 +9632,7 @@
               <a:buFontTx/>
               <a:buNone/>
             </a:pPr>
-            <a:endParaRPr lang="da-DK" kern="0" dirty="0" smtClean="0"/>
+            <a:endParaRPr lang="da-DK" kern="0" dirty="0"/>
           </a:p>
           <a:p>
             <a:pPr marL="0" indent="0">
@@ -9850,13 +9738,6 @@
   <p:clrMapOvr>
     <a:masterClrMapping/>
   </p:clrMapOvr>
-  <p:timing>
-    <p:tnLst>
-      <p:par>
-        <p:cTn id="1" dur="indefinite" restart="never" nodeType="tmRoot"/>
-      </p:par>
-    </p:tnLst>
-  </p:timing>
 </p:sld>
 </file>
 
@@ -9899,16 +9780,10 @@
           <a:p>
             <a:pPr eaLnBrk="1" hangingPunct="1"/>
             <a:r>
-              <a:rPr lang="en-GB" altLang="da-DK" sz="3200" dirty="0" smtClean="0">
-                <a:ea typeface="ＭＳ Ｐゴシック" pitchFamily="34" charset="-128"/>
-              </a:rPr>
-              <a:t>That's</a:t>
-            </a:r>
-            <a:r>
               <a:rPr lang="en-GB" altLang="da-DK" sz="3200" dirty="0">
                 <a:ea typeface="ＭＳ Ｐゴシック" pitchFamily="34" charset="-128"/>
               </a:rPr>
-              <a:t> all for now…                 … questions</a:t>
+              <a:t>That's all for now…                 … questions</a:t>
             </a:r>
           </a:p>
         </p:txBody>
@@ -10366,7 +10241,7 @@
               <a:defRPr/>
             </a:pPr>
             <a:r>
-              <a:rPr lang="en-GB" altLang="da-DK" sz="2800" dirty="0" smtClean="0"/>
+              <a:rPr lang="en-GB" altLang="da-DK" sz="2800" dirty="0"/>
               <a:t>Publication channels</a:t>
             </a:r>
           </a:p>
@@ -10400,7 +10275,7 @@
               <a:buChar char="•"/>
             </a:pPr>
             <a:r>
-              <a:rPr lang="en-GB" altLang="da-DK" sz="1800" b="1" dirty="0" smtClean="0">
+              <a:rPr lang="en-GB" altLang="da-DK" sz="1800" b="1" dirty="0">
                 <a:solidFill>
                   <a:srgbClr val="A50021"/>
                 </a:solidFill>
@@ -10425,19 +10300,7 @@
             </a:r>
             <a:r>
               <a:rPr lang="en-GB" altLang="da-DK" sz="1600" dirty="0"/>
-              <a:t> </a:t>
-            </a:r>
-            <a:r>
-              <a:rPr lang="en-GB" altLang="da-DK" sz="1600" dirty="0" smtClean="0"/>
-              <a:t>are typically published </a:t>
-            </a:r>
-            <a:r>
-              <a:rPr lang="en-GB" altLang="da-DK" sz="1600" dirty="0"/>
-              <a:t>4</a:t>
-            </a:r>
-            <a:r>
-              <a:rPr lang="en-GB" altLang="da-DK" sz="1600" dirty="0" smtClean="0"/>
-              <a:t>-6 times a year (with 6-15 papers each time)</a:t>
+              <a:t> are typically published 4-6 times a year (with 6-15 papers each time)</a:t>
             </a:r>
           </a:p>
           <a:p>
@@ -10455,11 +10318,11 @@
               <a:t>Conferences</a:t>
             </a:r>
             <a:r>
-              <a:rPr lang="en-GB" altLang="da-DK" sz="1600" dirty="0" smtClean="0"/>
+              <a:rPr lang="en-GB" altLang="da-DK" sz="1600" dirty="0"/>
               <a:t> are scientific meetings typically taking place each year (with 20-100 </a:t>
             </a:r>
             <a:r>
-              <a:rPr lang="en-GB" altLang="da-DK" sz="1600" spc="-20" dirty="0" smtClean="0"/>
+              <a:rPr lang="en-GB" altLang="da-DK" sz="1600" spc="-20" dirty="0"/>
               <a:t>papers each time) – there are also broad mega-conferences with hundreds of papers</a:t>
             </a:r>
           </a:p>
@@ -10478,7 +10341,7 @@
               <a:t>Workshops</a:t>
             </a:r>
             <a:r>
-              <a:rPr lang="en-GB" altLang="da-DK" sz="1600" dirty="0" smtClean="0"/>
+              <a:rPr lang="en-GB" altLang="da-DK" sz="1600" dirty="0"/>
               <a:t> are informal scientific meetings, which typically covers an emerging area and have less strict quality demands for accepted papers</a:t>
             </a:r>
           </a:p>
@@ -10490,15 +10353,7 @@
             </a:pPr>
             <a:r>
               <a:rPr lang="en-GB" altLang="da-DK" sz="1600" dirty="0"/>
-              <a:t>Some </a:t>
-            </a:r>
-            <a:r>
-              <a:rPr lang="en-GB" altLang="da-DK" sz="1600" dirty="0" smtClean="0"/>
-              <a:t>conferences </a:t>
-            </a:r>
-            <a:r>
-              <a:rPr lang="en-GB" altLang="da-DK" sz="1600" dirty="0"/>
-              <a:t>and workshops have </a:t>
+              <a:t>Some conferences and workshops have </a:t>
             </a:r>
             <a:r>
               <a:rPr lang="en-GB" altLang="da-DK" sz="1600" b="1" dirty="0">
@@ -10510,25 +10365,17 @@
             </a:r>
             <a:r>
               <a:rPr lang="en-GB" altLang="da-DK" sz="1600" dirty="0"/>
-              <a:t>, where experimental computer tools </a:t>
-            </a:r>
-            <a:r>
-              <a:rPr lang="en-GB" altLang="da-DK" sz="1600" dirty="0" smtClean="0"/>
-              <a:t>are </a:t>
-            </a:r>
+              <a:t>, where experimental computer tools are presented</a:t>
+            </a:r>
+          </a:p>
+          <a:p>
+            <a:pPr marL="728663" lvl="1" indent="-271463">
+              <a:spcBef>
+                <a:spcPts val="300"/>
+              </a:spcBef>
+            </a:pPr>
             <a:r>
               <a:rPr lang="en-GB" altLang="da-DK" sz="1600" dirty="0"/>
-              <a:t>presented</a:t>
-            </a:r>
-          </a:p>
-          <a:p>
-            <a:pPr marL="728663" lvl="1" indent="-271463">
-              <a:spcBef>
-                <a:spcPts val="300"/>
-              </a:spcBef>
-            </a:pPr>
-            <a:r>
-              <a:rPr lang="en-GB" altLang="da-DK" sz="1600" dirty="0" smtClean="0"/>
               <a:t>Some conferences and workshops have </a:t>
             </a:r>
             <a:r>
@@ -10540,7 +10387,7 @@
               <a:t>poster sessions</a:t>
             </a:r>
             <a:r>
-              <a:rPr lang="en-GB" altLang="da-DK" sz="1600" dirty="0" smtClean="0"/>
+              <a:rPr lang="en-GB" altLang="da-DK" sz="1600" dirty="0"/>
               <a:t>, where the author stands in front of a large poster and explains it to anyone interested</a:t>
             </a:r>
           </a:p>
@@ -10558,19 +10405,10 @@
                 </a:solidFill>
                 <a:cs typeface="ＭＳ Ｐゴシック" charset="0"/>
               </a:rPr>
-              <a:t>Within most </a:t>
-            </a:r>
-            <a:r>
-              <a:rPr lang="en-GB" altLang="da-DK" sz="1800" b="1" dirty="0" smtClean="0">
-                <a:solidFill>
-                  <a:srgbClr val="A50021"/>
-                </a:solidFill>
-                <a:cs typeface="ＭＳ Ｐゴシック" charset="0"/>
-              </a:rPr>
-              <a:t>sciences (</a:t>
-            </a:r>
-            <a:r>
-              <a:rPr lang="en-GB" altLang="da-DK" sz="1800" b="1" dirty="0" err="1" smtClean="0">
+              <a:t>Within most sciences (</a:t>
+            </a:r>
+            <a:r>
+              <a:rPr lang="en-GB" altLang="da-DK" sz="1800" b="1" dirty="0" err="1">
                 <a:solidFill>
                   <a:srgbClr val="A50021"/>
                 </a:solidFill>
@@ -10579,7 +10417,7 @@
               <a:t>naturvidenskab</a:t>
             </a:r>
             <a:r>
-              <a:rPr lang="en-GB" altLang="da-DK" sz="1800" b="1" dirty="0" smtClean="0">
+              <a:rPr lang="en-GB" altLang="da-DK" sz="1800" b="1" dirty="0">
                 <a:solidFill>
                   <a:srgbClr val="A50021"/>
                 </a:solidFill>
@@ -10596,7 +10434,7 @@
               <a:t>only</a:t>
             </a:r>
             <a:r>
-              <a:rPr lang="en-GB" altLang="da-DK" sz="1800" b="1" dirty="0" smtClean="0">
+              <a:rPr lang="en-GB" altLang="da-DK" sz="1800" b="1" dirty="0">
                 <a:solidFill>
                   <a:srgbClr val="A50021"/>
                 </a:solidFill>
@@ -10613,7 +10451,7 @@
               <a:buChar char="•"/>
             </a:pPr>
             <a:r>
-              <a:rPr lang="en-GB" altLang="da-DK" sz="1800" b="1" dirty="0" smtClean="0">
+              <a:rPr lang="en-GB" altLang="da-DK" sz="1800" b="1" dirty="0">
                 <a:solidFill>
                   <a:srgbClr val="A50021"/>
                 </a:solidFill>
@@ -10622,7 +10460,7 @@
               <a:t>In computer science things are </a:t>
             </a:r>
             <a:r>
-              <a:rPr lang="en-GB" altLang="da-DK" sz="1800" b="1" dirty="0" smtClean="0">
+              <a:rPr lang="en-GB" altLang="da-DK" sz="1800" b="1" dirty="0">
                 <a:solidFill>
                   <a:srgbClr val="008000"/>
                 </a:solidFill>
@@ -10631,7 +10469,7 @@
               <a:t>very</a:t>
             </a:r>
             <a:r>
-              <a:rPr lang="en-GB" altLang="da-DK" sz="1800" b="1" dirty="0" smtClean="0">
+              <a:rPr lang="en-GB" altLang="da-DK" sz="1800" b="1" dirty="0">
                 <a:solidFill>
                   <a:srgbClr val="A50021"/>
                 </a:solidFill>
@@ -10639,7 +10477,7 @@
               </a:rPr>
               <a:t> different</a:t>
             </a:r>
-            <a:endParaRPr lang="en-GB" altLang="da-DK" sz="1800" b="1" dirty="0" smtClean="0">
+            <a:endParaRPr lang="en-GB" altLang="da-DK" sz="1800" b="1" dirty="0">
               <a:solidFill>
                 <a:srgbClr val="008000"/>
               </a:solidFill>
@@ -10653,16 +10491,8 @@
               </a:spcBef>
             </a:pPr>
             <a:r>
-              <a:rPr lang="en-GB" altLang="da-DK" sz="1600" dirty="0" smtClean="0"/>
-              <a:t>Here </a:t>
-            </a:r>
-            <a:r>
               <a:rPr lang="en-GB" altLang="da-DK" sz="1600" dirty="0"/>
-              <a:t>it </a:t>
-            </a:r>
-            <a:r>
-              <a:rPr lang="en-GB" altLang="da-DK" sz="1600" dirty="0" smtClean="0"/>
-              <a:t>is often </a:t>
+              <a:t>Here it is often </a:t>
             </a:r>
             <a:r>
               <a:rPr lang="en-GB" altLang="da-DK" sz="1600" b="1" dirty="0">
@@ -10674,19 +10504,18 @@
             </a:r>
             <a:r>
               <a:rPr lang="en-GB" altLang="da-DK" sz="1600" dirty="0"/>
-              <a:t> to publish at the </a:t>
-            </a:r>
-            <a:r>
-              <a:rPr lang="en-GB" altLang="da-DK" sz="1600" dirty="0" smtClean="0"/>
-              <a:t>best conferences </a:t>
-            </a:r>
+              <a:t> to publish at the best conferences than it is to publish in the best journals</a:t>
+            </a:r>
+          </a:p>
+          <a:p>
+            <a:pPr marL="728663" lvl="1" indent="-271463">
+              <a:spcBef>
+                <a:spcPts val="300"/>
+              </a:spcBef>
+            </a:pPr>
             <a:r>
               <a:rPr lang="en-GB" altLang="da-DK" sz="1600" dirty="0"/>
-              <a:t>than it is to publish in the best </a:t>
-            </a:r>
-            <a:r>
-              <a:rPr lang="en-GB" altLang="da-DK" sz="1600" dirty="0" smtClean="0"/>
-              <a:t>journals</a:t>
+              <a:t>Many journals publish enhanced versions of the best papers from selected conferences (otherwise you cannot publish a paper twice)</a:t>
             </a:r>
           </a:p>
           <a:p>
@@ -10697,61 +10526,13 @@
             </a:pPr>
             <a:r>
               <a:rPr lang="en-GB" altLang="da-DK" sz="1600" dirty="0"/>
-              <a:t>Many journals publish </a:t>
-            </a:r>
-            <a:r>
-              <a:rPr lang="en-GB" altLang="da-DK" sz="1600" dirty="0" smtClean="0"/>
-              <a:t>enhanced </a:t>
-            </a:r>
-            <a:r>
+              <a:t>The maximal number of pages are typically larger for a journal paper than for a conference paper (hence it is possible to add more examples, all details of</a:t>
+            </a:r>
+            <a:br>
               <a:rPr lang="en-GB" altLang="da-DK" sz="1600" dirty="0"/>
-              <a:t>versions of the </a:t>
-            </a:r>
-            <a:r>
-              <a:rPr lang="en-GB" altLang="da-DK" sz="1600" dirty="0" smtClean="0"/>
-              <a:t>best papers from </a:t>
-            </a:r>
+            </a:br>
             <a:r>
               <a:rPr lang="en-GB" altLang="da-DK" sz="1600" dirty="0"/>
-              <a:t>selected </a:t>
-            </a:r>
-            <a:r>
-              <a:rPr lang="en-GB" altLang="da-DK" sz="1600" dirty="0" smtClean="0"/>
-              <a:t>conferences (otherwise you cannot publish a paper twice)</a:t>
-            </a:r>
-            <a:endParaRPr lang="en-GB" altLang="da-DK" sz="1600" dirty="0"/>
-          </a:p>
-          <a:p>
-            <a:pPr marL="728663" lvl="1" indent="-271463">
-              <a:spcBef>
-                <a:spcPts val="300"/>
-              </a:spcBef>
-            </a:pPr>
-            <a:r>
-              <a:rPr lang="en-GB" altLang="da-DK" sz="1600" dirty="0" smtClean="0"/>
-              <a:t>The maximal number of pages are typically larger for a journal paper than for a conference </a:t>
-            </a:r>
-            <a:r>
-              <a:rPr lang="en-GB" altLang="da-DK" sz="1600" dirty="0"/>
-              <a:t>paper </a:t>
-            </a:r>
-            <a:r>
-              <a:rPr lang="en-GB" altLang="da-DK" sz="1600" dirty="0" smtClean="0"/>
-              <a:t>(hence it is possible to add more </a:t>
-            </a:r>
-            <a:r>
-              <a:rPr lang="en-GB" altLang="da-DK" sz="1600" dirty="0"/>
-              <a:t>examples, all details </a:t>
-            </a:r>
-            <a:r>
-              <a:rPr lang="en-GB" altLang="da-DK" sz="1600" dirty="0" smtClean="0"/>
-              <a:t>of</a:t>
-            </a:r>
-            <a:br>
-              <a:rPr lang="en-GB" altLang="da-DK" sz="1600" dirty="0" smtClean="0"/>
-            </a:br>
-            <a:r>
-              <a:rPr lang="en-GB" altLang="da-DK" sz="1600" dirty="0" smtClean="0"/>
               <a:t>proofs, etc.)</a:t>
             </a:r>
           </a:p>
@@ -10796,13 +10577,6 @@
   <p:clrMapOvr>
     <a:masterClrMapping/>
   </p:clrMapOvr>
-  <p:timing>
-    <p:tnLst>
-      <p:par>
-        <p:cTn id="1" dur="indefinite" restart="never" nodeType="tmRoot"/>
-      </p:par>
-    </p:tnLst>
-  </p:timing>
 </p:sld>
 </file>
 
@@ -10847,7 +10621,7 @@
               <a:defRPr/>
             </a:pPr>
             <a:r>
-              <a:rPr lang="en-GB" altLang="da-DK" sz="2800" dirty="0" smtClean="0"/>
+              <a:rPr lang="en-GB" altLang="da-DK" sz="2800" dirty="0"/>
               <a:t>Peer reviewing</a:t>
             </a:r>
           </a:p>
@@ -10881,7 +10655,7 @@
               <a:buChar char="•"/>
             </a:pPr>
             <a:r>
-              <a:rPr lang="en-GB" altLang="da-DK" sz="1800" b="1" spc="-30" dirty="0" smtClean="0">
+              <a:rPr lang="en-GB" altLang="da-DK" sz="1800" b="1" spc="-30" dirty="0">
                 <a:solidFill>
                   <a:srgbClr val="A50021"/>
                 </a:solidFill>
@@ -10890,7 +10664,7 @@
               <a:t>All (serious) journals and conferences are </a:t>
             </a:r>
             <a:r>
-              <a:rPr lang="en-GB" altLang="da-DK" sz="1800" b="1" spc="-30" dirty="0" smtClean="0">
+              <a:rPr lang="en-GB" altLang="da-DK" sz="1800" b="1" spc="-30" dirty="0">
                 <a:solidFill>
                   <a:srgbClr val="008000"/>
                 </a:solidFill>
@@ -10899,7 +10673,7 @@
               <a:t>peer-reviewed </a:t>
             </a:r>
             <a:r>
-              <a:rPr lang="en-GB" altLang="da-DK" sz="1800" b="1" spc="-30" dirty="0" smtClean="0">
+              <a:rPr lang="en-GB" altLang="da-DK" sz="1800" b="1" spc="-30" dirty="0">
                 <a:solidFill>
                   <a:srgbClr val="A50021"/>
                 </a:solidFill>
@@ -10908,7 +10682,7 @@
               <a:t>(peer ≈ </a:t>
             </a:r>
             <a:r>
-              <a:rPr lang="en-GB" altLang="da-DK" sz="1800" b="1" spc="-30" dirty="0" err="1" smtClean="0">
+              <a:rPr lang="en-GB" altLang="da-DK" sz="1800" b="1" spc="-30" dirty="0" err="1">
                 <a:solidFill>
                   <a:srgbClr val="A50021"/>
                 </a:solidFill>
@@ -10917,7 +10691,7 @@
               <a:t>ligemand</a:t>
             </a:r>
             <a:r>
-              <a:rPr lang="en-GB" altLang="da-DK" sz="1800" b="1" spc="-30" dirty="0" smtClean="0">
+              <a:rPr lang="en-GB" altLang="da-DK" sz="1800" b="1" spc="-30" dirty="0">
                 <a:solidFill>
                   <a:srgbClr val="A50021"/>
                 </a:solidFill>
@@ -10933,7 +10707,7 @@
               </a:spcBef>
             </a:pPr>
             <a:r>
-              <a:rPr lang="en-GB" altLang="da-DK" sz="1600" dirty="0" smtClean="0"/>
+              <a:rPr lang="en-GB" altLang="da-DK" sz="1600" dirty="0"/>
               <a:t>This means that all submissions are read and evaluated by 3-5 referees (reviewers) who are experts within the area covered by the submitted paper</a:t>
             </a:r>
           </a:p>
@@ -10944,7 +10718,7 @@
               </a:spcBef>
             </a:pPr>
             <a:r>
-              <a:rPr lang="en-GB" altLang="da-DK" sz="1600" dirty="0" smtClean="0"/>
+              <a:rPr lang="en-GB" altLang="da-DK" sz="1600" dirty="0"/>
               <a:t>The referees usually make a significant number of proposals for improvements and corrections of errors (including grammatical errors)</a:t>
             </a:r>
           </a:p>
@@ -10955,7 +10729,7 @@
               </a:spcBef>
             </a:pPr>
             <a:r>
-              <a:rPr lang="en-GB" altLang="da-DK" sz="1600" dirty="0" smtClean="0"/>
+              <a:rPr lang="en-GB" altLang="da-DK" sz="1600" dirty="0"/>
               <a:t>Based on the referee reports it is decided which papers should be accepted/rejected</a:t>
             </a:r>
           </a:p>
@@ -10973,105 +10747,35 @@
                 </a:solidFill>
                 <a:cs typeface="ＭＳ Ｐゴシック" charset="0"/>
               </a:rPr>
-              <a:t>The best conferences and journals have acceptance rates which </a:t>
-            </a:r>
-            <a:r>
-              <a:rPr lang="en-GB" altLang="da-DK" sz="1800" b="1" dirty="0" smtClean="0">
+              <a:t>The best conferences and journals have acceptance rates which typically are 10-20%</a:t>
+            </a:r>
+          </a:p>
+          <a:p>
+            <a:pPr marL="728663" lvl="1" indent="-271463">
+              <a:spcBef>
+                <a:spcPts val="300"/>
+              </a:spcBef>
+            </a:pPr>
+            <a:r>
+              <a:rPr lang="en-GB" altLang="da-DK" sz="1600" dirty="0"/>
+              <a:t>Hence, it is quite difficult to get papers accepted in these</a:t>
+            </a:r>
+          </a:p>
+          <a:p>
+            <a:pPr marL="271463" lvl="1" indent="-271463">
+              <a:spcBef>
+                <a:spcPts val="1200"/>
+              </a:spcBef>
+              <a:buChar char="•"/>
+            </a:pPr>
+            <a:r>
+              <a:rPr lang="en-GB" altLang="da-DK" sz="1800" b="1" dirty="0">
                 <a:solidFill>
                   <a:srgbClr val="A50021"/>
                 </a:solidFill>
                 <a:cs typeface="ＭＳ Ｐゴシック" charset="0"/>
               </a:rPr>
-              <a:t>typically are</a:t>
-            </a:r>
-            <a:r>
-              <a:rPr lang="en-GB" altLang="da-DK" sz="1800" b="1" dirty="0">
-                <a:solidFill>
-                  <a:srgbClr val="A50021"/>
-                </a:solidFill>
-                <a:cs typeface="ＭＳ Ｐゴシック" charset="0"/>
-              </a:rPr>
-              <a:t> </a:t>
-            </a:r>
-            <a:r>
-              <a:rPr lang="en-GB" altLang="da-DK" sz="1800" b="1" dirty="0" smtClean="0">
-                <a:solidFill>
-                  <a:srgbClr val="A50021"/>
-                </a:solidFill>
-                <a:cs typeface="ＭＳ Ｐゴシック" charset="0"/>
-              </a:rPr>
-              <a:t>10-20%</a:t>
-            </a:r>
-          </a:p>
-          <a:p>
-            <a:pPr marL="728663" lvl="1" indent="-271463">
-              <a:spcBef>
-                <a:spcPts val="300"/>
-              </a:spcBef>
-            </a:pPr>
-            <a:r>
-              <a:rPr lang="en-GB" altLang="da-DK" sz="1600" dirty="0" smtClean="0"/>
-              <a:t>Hence, </a:t>
-            </a:r>
-            <a:r>
-              <a:rPr lang="en-GB" altLang="da-DK" sz="1600" dirty="0"/>
-              <a:t>it is quite </a:t>
-            </a:r>
-            <a:r>
-              <a:rPr lang="en-GB" altLang="da-DK" sz="1600" dirty="0" smtClean="0"/>
-              <a:t>difficult </a:t>
-            </a:r>
-            <a:r>
-              <a:rPr lang="en-GB" altLang="da-DK" sz="1600" dirty="0"/>
-              <a:t>to get papers accepted in </a:t>
-            </a:r>
-            <a:r>
-              <a:rPr lang="en-GB" altLang="da-DK" sz="1600" dirty="0" smtClean="0"/>
-              <a:t>these</a:t>
-            </a:r>
-          </a:p>
-          <a:p>
-            <a:pPr marL="271463" lvl="1" indent="-271463">
-              <a:spcBef>
-                <a:spcPts val="1200"/>
-              </a:spcBef>
-              <a:buChar char="•"/>
-            </a:pPr>
-            <a:r>
-              <a:rPr lang="en-GB" altLang="da-DK" sz="1800" b="1" dirty="0">
-                <a:solidFill>
-                  <a:srgbClr val="A50021"/>
-                </a:solidFill>
-                <a:cs typeface="ＭＳ Ｐゴシック" charset="0"/>
-              </a:rPr>
-              <a:t>It is prestigious </a:t>
-            </a:r>
-            <a:r>
-              <a:rPr lang="en-GB" altLang="da-DK" sz="1800" b="1" dirty="0" smtClean="0">
-                <a:solidFill>
-                  <a:srgbClr val="A50021"/>
-                </a:solidFill>
-                <a:cs typeface="ＭＳ Ｐゴシック" charset="0"/>
-              </a:rPr>
-              <a:t>to </a:t>
-            </a:r>
-            <a:r>
-              <a:rPr lang="en-GB" altLang="da-DK" sz="1800" b="1" dirty="0">
-                <a:solidFill>
-                  <a:srgbClr val="A50021"/>
-                </a:solidFill>
-                <a:cs typeface="ＭＳ Ｐゴシック" charset="0"/>
-              </a:rPr>
-              <a:t>act as referee for a good </a:t>
-            </a:r>
-            <a:r>
-              <a:rPr lang="en-GB" altLang="da-DK" sz="1800" b="1" dirty="0" smtClean="0">
-                <a:solidFill>
-                  <a:srgbClr val="A50021"/>
-                </a:solidFill>
-                <a:cs typeface="ＭＳ Ｐゴシック" charset="0"/>
-              </a:rPr>
-              <a:t>conference/journal</a:t>
+              <a:t>It is prestigious to act as referee for a good conference/journal</a:t>
             </a:r>
           </a:p>
           <a:p>
@@ -11084,7 +10788,6 @@
               <a:rPr lang="en-GB" altLang="da-DK" sz="1600" dirty="0"/>
               <a:t>It is something you list on your CV </a:t>
             </a:r>
-            <a:endParaRPr lang="en-GB" altLang="da-DK" sz="1600" dirty="0" smtClean="0"/>
           </a:p>
           <a:p>
             <a:pPr marL="728663" lvl="1" indent="-271463">
@@ -11093,10 +10796,9 @@
               </a:spcBef>
             </a:pPr>
             <a:r>
-              <a:rPr lang="en-GB" altLang="da-DK" sz="1600" dirty="0" smtClean="0"/>
+              <a:rPr lang="en-GB" altLang="da-DK" sz="1600" dirty="0"/>
               <a:t>It also takes a lot of your time</a:t>
             </a:r>
-            <a:endParaRPr lang="en-GB" altLang="da-DK" sz="1600" dirty="0"/>
           </a:p>
         </p:txBody>
       </p:sp>
@@ -11139,13 +10841,6 @@
   <p:clrMapOvr>
     <a:masterClrMapping/>
   </p:clrMapOvr>
-  <p:timing>
-    <p:tnLst>
-      <p:par>
-        <p:cTn id="1" dur="indefinite" restart="never" nodeType="tmRoot"/>
-      </p:par>
-    </p:tnLst>
-  </p:timing>
 </p:sld>
 </file>
 
@@ -11190,7 +10885,7 @@
               <a:defRPr/>
             </a:pPr>
             <a:r>
-              <a:rPr lang="en-GB" altLang="da-DK" sz="2800" dirty="0" smtClean="0"/>
+              <a:rPr lang="en-GB" altLang="da-DK" sz="2800" dirty="0"/>
               <a:t>Organization of conferences</a:t>
             </a:r>
           </a:p>
@@ -11230,19 +10925,10 @@
                 </a:solidFill>
                 <a:cs typeface="ＭＳ Ｐゴシック" charset="0"/>
               </a:rPr>
-              <a:t>Each conference has a program committee </a:t>
-            </a:r>
-            <a:r>
-              <a:rPr lang="en-GB" altLang="da-DK" sz="1800" b="1" dirty="0" smtClean="0">
-                <a:solidFill>
-                  <a:srgbClr val="A50021"/>
-                </a:solidFill>
-                <a:cs typeface="ＭＳ Ｐゴシック" charset="0"/>
-              </a:rPr>
-              <a:t>with 20-30 PC-members headed</a:t>
+              <a:t>Each conference has a program committee with 20-30 PC-members headed</a:t>
             </a:r>
             <a:br>
-              <a:rPr lang="en-GB" altLang="da-DK" sz="1800" b="1" dirty="0" smtClean="0">
+              <a:rPr lang="en-GB" altLang="da-DK" sz="1800" b="1" dirty="0">
                 <a:solidFill>
                   <a:srgbClr val="A50021"/>
                 </a:solidFill>
@@ -11250,14 +10936,74 @@
               </a:rPr>
             </a:br>
             <a:r>
-              <a:rPr lang="en-GB" altLang="da-DK" sz="1800" b="1" dirty="0" smtClean="0">
+              <a:rPr lang="en-GB" altLang="da-DK" sz="1800" b="1" dirty="0">
                 <a:solidFill>
                   <a:srgbClr val="A50021"/>
                 </a:solidFill>
                 <a:cs typeface="ＭＳ Ｐゴシック" charset="0"/>
               </a:rPr>
-              <a:t>by </a:t>
-            </a:r>
+              <a:t>by 1-2 PC-chairs</a:t>
+            </a:r>
+          </a:p>
+          <a:p>
+            <a:pPr marL="728663" lvl="1" indent="-271463">
+              <a:spcBef>
+                <a:spcPts val="300"/>
+              </a:spcBef>
+            </a:pPr>
+            <a:r>
+              <a:rPr lang="en-GB" altLang="da-DK" sz="1600" dirty="0"/>
+              <a:t>All PC-members are well-known researchers within the area covered by the </a:t>
+            </a:r>
+            <a:r>
+              <a:rPr lang="en-GB" altLang="da-DK" sz="1600" spc="-60" dirty="0"/>
+              <a:t>conference (typically appointed by a steering committee in cooperation with the PC-chairs)</a:t>
+            </a:r>
+          </a:p>
+          <a:p>
+            <a:pPr marL="728663" lvl="1" indent="-271463">
+              <a:spcBef>
+                <a:spcPts val="300"/>
+              </a:spcBef>
+            </a:pPr>
+            <a:r>
+              <a:rPr lang="en-GB" altLang="da-DK" sz="1600" dirty="0"/>
+              <a:t>The PC-chairs distribute the submitted papers to the PC-members, selecting </a:t>
+            </a:r>
+            <a:r>
+              <a:rPr lang="en-GB" altLang="da-DK" sz="1600" spc="-30" dirty="0"/>
+              <a:t>those they believe to be the most knowledgeable within the area of the paper</a:t>
+            </a:r>
+          </a:p>
+          <a:p>
+            <a:pPr marL="728663" lvl="1" indent="-271463">
+              <a:spcBef>
+                <a:spcPts val="300"/>
+              </a:spcBef>
+            </a:pPr>
+            <a:r>
+              <a:rPr lang="en-GB" altLang="da-DK" sz="1600" spc="-30" dirty="0"/>
+              <a:t>Each paper is sent to 2-4 PC-members</a:t>
+            </a:r>
+          </a:p>
+          <a:p>
+            <a:pPr marL="728663" lvl="1" indent="-271463">
+              <a:spcBef>
+                <a:spcPts val="300"/>
+              </a:spcBef>
+            </a:pPr>
+            <a:r>
+              <a:rPr lang="en-GB" altLang="da-DK" sz="1600" dirty="0"/>
+              <a:t>PC-members may use sub-referees to help them evaluate a paper (this is often PostDocs or PhD students within the area)</a:t>
+            </a:r>
+          </a:p>
+          <a:p>
+            <a:pPr marL="271463" lvl="1" indent="-271463">
+              <a:spcBef>
+                <a:spcPts val="800"/>
+              </a:spcBef>
+              <a:buChar char="•"/>
+            </a:pPr>
             <a:r>
               <a:rPr lang="en-GB" altLang="da-DK" sz="1800" b="1" dirty="0">
                 <a:solidFill>
@@ -11265,23 +11011,8 @@
                 </a:solidFill>
                 <a:cs typeface="ＭＳ Ｐゴシック" charset="0"/>
               </a:rPr>
-              <a:t>1-2 </a:t>
-            </a:r>
-            <a:r>
-              <a:rPr lang="en-GB" altLang="da-DK" sz="1800" b="1" dirty="0" smtClean="0">
-                <a:solidFill>
-                  <a:srgbClr val="A50021"/>
-                </a:solidFill>
-                <a:cs typeface="ＭＳ Ｐゴシック" charset="0"/>
-              </a:rPr>
-              <a:t>PC-chairs</a:t>
-            </a:r>
-            <a:endParaRPr lang="en-GB" altLang="da-DK" sz="1800" b="1" dirty="0">
-              <a:solidFill>
-                <a:srgbClr val="A50021"/>
-              </a:solidFill>
-              <a:cs typeface="ＭＳ Ｐゴシック" charset="0"/>
-            </a:endParaRPr>
+              <a:t>Based on the written referee reports PC-chairs propose whether the individual papers should be accepted, discussed or rejected</a:t>
+            </a:r>
           </a:p>
           <a:p>
             <a:pPr marL="728663" lvl="1" indent="-271463">
@@ -11290,12 +11021,8 @@
               </a:spcBef>
             </a:pPr>
             <a:r>
-              <a:rPr lang="en-GB" altLang="da-DK" sz="1600" dirty="0" smtClean="0"/>
-              <a:t>All PC-members are well-known researchers within the area covered by the </a:t>
-            </a:r>
-            <a:r>
-              <a:rPr lang="en-GB" altLang="da-DK" sz="1600" spc="-60" dirty="0" smtClean="0"/>
-              <a:t>conference (typically appointed by a steering committee in cooperation with the PC-chairs)</a:t>
+              <a:rPr lang="en-GB" altLang="da-DK" sz="1600" dirty="0"/>
+              <a:t>Earlier, it was typical to have a physical program committee meeting</a:t>
             </a:r>
           </a:p>
           <a:p>
@@ -11305,38 +11032,16 @@
               </a:spcBef>
             </a:pPr>
             <a:r>
-              <a:rPr lang="en-GB" altLang="da-DK" sz="1600" dirty="0" smtClean="0"/>
-              <a:t>The PC-chairs distribute the submitted papers to the PC-members, selecting </a:t>
-            </a:r>
-            <a:r>
-              <a:rPr lang="en-GB" altLang="da-DK" sz="1600" spc="-30" dirty="0" smtClean="0"/>
-              <a:t>those they believe to be the most knowledgeable within the area of the paper</a:t>
-            </a:r>
-          </a:p>
-          <a:p>
-            <a:pPr marL="728663" lvl="1" indent="-271463">
-              <a:spcBef>
-                <a:spcPts val="300"/>
-              </a:spcBef>
-            </a:pPr>
-            <a:r>
-              <a:rPr lang="en-GB" altLang="da-DK" sz="1600" spc="-30" dirty="0"/>
-              <a:t>E</a:t>
-            </a:r>
-            <a:r>
-              <a:rPr lang="en-GB" altLang="da-DK" sz="1600" spc="-30" dirty="0" smtClean="0"/>
-              <a:t>ach paper is sent to 2-4 PC-members</a:t>
-            </a:r>
-          </a:p>
-          <a:p>
-            <a:pPr marL="728663" lvl="1" indent="-271463">
-              <a:spcBef>
-                <a:spcPts val="300"/>
-              </a:spcBef>
-            </a:pPr>
-            <a:r>
-              <a:rPr lang="en-GB" altLang="da-DK" sz="1600" dirty="0" smtClean="0"/>
-              <a:t>PC-members may use sub-referees to help them evaluate a paper (this is often PostDocs or PhD students within the area)</a:t>
+              <a:rPr lang="en-GB" altLang="da-DK" sz="1600" dirty="0"/>
+              <a:t>Today, all conferences use electronic systems (special </a:t>
+            </a:r>
+            <a:r>
+              <a:rPr lang="en-GB" altLang="da-DK" sz="1600" dirty="0" err="1"/>
+              <a:t>webboards</a:t>
+            </a:r>
+            <a:r>
+              <a:rPr lang="en-GB" altLang="da-DK" sz="1600" dirty="0"/>
+              <a:t>) and virtual program meetings – where people discuss and vote over a pre-determined period</a:t>
             </a:r>
           </a:p>
           <a:p>
@@ -11348,71 +11053,6 @@
             </a:pPr>
             <a:r>
               <a:rPr lang="en-GB" altLang="da-DK" sz="1800" b="1" dirty="0">
-                <a:solidFill>
-                  <a:srgbClr val="A50021"/>
-                </a:solidFill>
-                <a:cs typeface="ＭＳ Ｐゴシック" charset="0"/>
-              </a:rPr>
-              <a:t>Based on the written referee reports PC-chairs </a:t>
-            </a:r>
-            <a:r>
-              <a:rPr lang="en-GB" altLang="da-DK" sz="1800" b="1" dirty="0" smtClean="0">
-                <a:solidFill>
-                  <a:srgbClr val="A50021"/>
-                </a:solidFill>
-                <a:cs typeface="ＭＳ Ｐゴシック" charset="0"/>
-              </a:rPr>
-              <a:t>propose </a:t>
-            </a:r>
-            <a:r>
-              <a:rPr lang="en-GB" altLang="da-DK" sz="1800" b="1" dirty="0">
-                <a:solidFill>
-                  <a:srgbClr val="A50021"/>
-                </a:solidFill>
-                <a:cs typeface="ＭＳ Ｐゴシック" charset="0"/>
-              </a:rPr>
-              <a:t>whether the individual papers should be accepted, discussed or rejected</a:t>
-            </a:r>
-          </a:p>
-          <a:p>
-            <a:pPr marL="728663" lvl="1" indent="-271463">
-              <a:spcBef>
-                <a:spcPts val="300"/>
-              </a:spcBef>
-            </a:pPr>
-            <a:r>
-              <a:rPr lang="en-GB" altLang="da-DK" sz="1600" dirty="0" smtClean="0"/>
-              <a:t>Earlier, it was typical to have a physical program committee meeting</a:t>
-            </a:r>
-          </a:p>
-          <a:p>
-            <a:pPr marL="728663" lvl="1" indent="-271463">
-              <a:spcBef>
-                <a:spcPts val="300"/>
-              </a:spcBef>
-            </a:pPr>
-            <a:r>
-              <a:rPr lang="en-GB" altLang="da-DK" sz="1600" dirty="0" smtClean="0"/>
-              <a:t>Today, all conferences use electronic systems (special </a:t>
-            </a:r>
-            <a:r>
-              <a:rPr lang="en-GB" altLang="da-DK" sz="1600" dirty="0" err="1" smtClean="0"/>
-              <a:t>webboards</a:t>
-            </a:r>
-            <a:r>
-              <a:rPr lang="en-GB" altLang="da-DK" sz="1600" dirty="0" smtClean="0"/>
-              <a:t>) and virtual program meetings – where people discuss and vote over a pre-determined period</a:t>
-            </a:r>
-          </a:p>
-          <a:p>
-            <a:pPr marL="271463" lvl="1" indent="-271463">
-              <a:spcBef>
-                <a:spcPts val="800"/>
-              </a:spcBef>
-              <a:buChar char="•"/>
-            </a:pPr>
-            <a:r>
-              <a:rPr lang="en-GB" altLang="da-DK" sz="1800" b="1" dirty="0" smtClean="0">
                 <a:solidFill>
                   <a:srgbClr val="A50021"/>
                 </a:solidFill>
@@ -11428,16 +11068,8 @@
               </a:spcBef>
             </a:pPr>
             <a:r>
-              <a:rPr lang="en-GB" altLang="da-DK" sz="1600" dirty="0" smtClean="0"/>
-              <a:t>Authors </a:t>
-            </a:r>
-            <a:r>
               <a:rPr lang="en-GB" altLang="da-DK" sz="1600" dirty="0"/>
-              <a:t>are expected to improve their papers based on the comments in the referee </a:t>
-            </a:r>
-            <a:r>
-              <a:rPr lang="en-GB" altLang="da-DK" sz="1600" dirty="0" smtClean="0"/>
-              <a:t>report, but in practice there is seldom time to check this before the conference</a:t>
+              <a:t>Authors are expected to improve their papers based on the comments in the referee report, but in practice there is seldom time to check this before the conference</a:t>
             </a:r>
           </a:p>
           <a:p>
@@ -11448,11 +11080,7 @@
             </a:pPr>
             <a:r>
               <a:rPr lang="en-GB" altLang="da-DK" sz="1600" spc="-50" dirty="0"/>
-              <a:t>B</a:t>
-            </a:r>
-            <a:r>
-              <a:rPr lang="en-GB" altLang="da-DK" sz="1600" spc="-50" dirty="0" smtClean="0"/>
-              <a:t>ut if you don't fix serious errors, you will be in "bad standing" next time you submit a paper</a:t>
+              <a:t>But if you don't fix serious errors, you will be in "bad standing" next time you submit a paper</a:t>
             </a:r>
           </a:p>
           <a:p>
@@ -11507,13 +11135,6 @@
   <p:clrMapOvr>
     <a:masterClrMapping/>
   </p:clrMapOvr>
-  <p:timing>
-    <p:tnLst>
-      <p:par>
-        <p:cTn id="1" dur="indefinite" restart="never" nodeType="tmRoot"/>
-      </p:par>
-    </p:tnLst>
-  </p:timing>
 </p:sld>
 </file>
 
@@ -11558,7 +11179,7 @@
               <a:defRPr/>
             </a:pPr>
             <a:r>
-              <a:rPr lang="en-GB" altLang="da-DK" sz="2800" dirty="0" smtClean="0"/>
+              <a:rPr lang="en-GB" altLang="da-DK" sz="2800" dirty="0"/>
               <a:t>Organization of journals</a:t>
             </a:r>
           </a:p>
@@ -11598,37 +11219,10 @@
                 </a:solidFill>
                 <a:cs typeface="ＭＳ Ｐゴシック" charset="0"/>
               </a:rPr>
-              <a:t>Each </a:t>
-            </a:r>
-            <a:r>
-              <a:rPr lang="en-GB" altLang="da-DK" sz="1800" b="1" dirty="0" smtClean="0">
-                <a:solidFill>
-                  <a:srgbClr val="A50021"/>
-                </a:solidFill>
-                <a:cs typeface="ＭＳ Ｐゴシック" charset="0"/>
-              </a:rPr>
-              <a:t>journal </a:t>
-            </a:r>
-            <a:r>
+              <a:t>Each journal has an editorial board with 6-12 members headed</a:t>
+            </a:r>
+            <a:br>
               <a:rPr lang="en-GB" altLang="da-DK" sz="1800" b="1" dirty="0">
-                <a:solidFill>
-                  <a:srgbClr val="A50021"/>
-                </a:solidFill>
-                <a:cs typeface="ＭＳ Ｐゴシック" charset="0"/>
-              </a:rPr>
-              <a:t>has </a:t>
-            </a:r>
-            <a:r>
-              <a:rPr lang="en-GB" altLang="da-DK" sz="1800" b="1" dirty="0" smtClean="0">
-                <a:solidFill>
-                  <a:srgbClr val="A50021"/>
-                </a:solidFill>
-                <a:cs typeface="ＭＳ Ｐゴシック" charset="0"/>
-              </a:rPr>
-              <a:t>an editorial board with 6-12 members headed</a:t>
-            </a:r>
-            <a:br>
-              <a:rPr lang="en-GB" altLang="da-DK" sz="1800" b="1" dirty="0" smtClean="0">
                 <a:solidFill>
                   <a:srgbClr val="A50021"/>
                 </a:solidFill>
@@ -11636,7 +11230,7 @@
               </a:rPr>
             </a:br>
             <a:r>
-              <a:rPr lang="en-GB" altLang="da-DK" sz="1800" b="1" spc="-30" dirty="0" smtClean="0">
+              <a:rPr lang="en-GB" altLang="da-DK" sz="1800" b="1" spc="-30" dirty="0">
                 <a:solidFill>
                   <a:srgbClr val="A50021"/>
                 </a:solidFill>
@@ -11644,12 +11238,6 @@
               </a:rPr>
               <a:t>by an editor-in-chief (sometimes assisted by a number of associate editors)</a:t>
             </a:r>
-            <a:endParaRPr lang="en-GB" altLang="da-DK" sz="1800" b="1" spc="-30" dirty="0">
-              <a:solidFill>
-                <a:srgbClr val="A50021"/>
-              </a:solidFill>
-              <a:cs typeface="ＭＳ Ｐゴシック" charset="0"/>
-            </a:endParaRPr>
           </a:p>
           <a:p>
             <a:pPr marL="728663" lvl="1" indent="-271463">
@@ -11658,7 +11246,7 @@
               </a:spcBef>
             </a:pPr>
             <a:r>
-              <a:rPr lang="en-GB" altLang="da-DK" sz="1600" dirty="0" smtClean="0"/>
+              <a:rPr lang="en-GB" altLang="da-DK" sz="1600" dirty="0"/>
               <a:t>All members of the editorial board are well-known researchers within the area covered by the journal (typically appointed by he editor-in-chief)</a:t>
             </a:r>
           </a:p>
@@ -11669,7 +11257,7 @@
               </a:spcBef>
             </a:pPr>
             <a:r>
-              <a:rPr lang="en-GB" altLang="da-DK" sz="1600" dirty="0" smtClean="0"/>
+              <a:rPr lang="en-GB" altLang="da-DK" sz="1600" dirty="0"/>
               <a:t>When a paper is submitted, the editor-in-chief appoints a person to handle the submission (typically an associate editor or another member of the editorial board) </a:t>
             </a:r>
           </a:p>
@@ -11680,16 +11268,8 @@
               </a:spcBef>
             </a:pPr>
             <a:r>
-              <a:rPr lang="en-GB" altLang="da-DK" sz="1600" spc="-50" dirty="0" smtClean="0"/>
-              <a:t>The "handler" selects </a:t>
-            </a:r>
-            <a:r>
               <a:rPr lang="en-GB" altLang="da-DK" sz="1600" spc="-50" dirty="0"/>
-              <a:t>2-3 reviewers </a:t>
-            </a:r>
-            <a:r>
-              <a:rPr lang="en-GB" altLang="da-DK" sz="1600" spc="-50" dirty="0" smtClean="0"/>
-              <a:t>(referees), who are experts within the area of the paper</a:t>
+              <a:t>The "handler" selects 2-3 reviewers (referees), who are experts within the area of the paper</a:t>
             </a:r>
           </a:p>
           <a:p>
@@ -11699,7 +11279,7 @@
               </a:spcBef>
             </a:pPr>
             <a:r>
-              <a:rPr lang="en-GB" altLang="da-DK" sz="1600" dirty="0" smtClean="0"/>
+              <a:rPr lang="en-GB" altLang="da-DK" sz="1600" dirty="0"/>
               <a:t>The reviewers may use sub-referees to help them evaluate a paper (this is often PostDocs or PhD students within the area)</a:t>
             </a:r>
           </a:p>
@@ -11717,41 +11297,36 @@
                 </a:solidFill>
                 <a:cs typeface="ＭＳ Ｐゴシック" charset="0"/>
               </a:rPr>
-              <a:t>Based on the written referee </a:t>
-            </a:r>
-            <a:r>
-              <a:rPr lang="en-GB" altLang="da-DK" sz="1800" b="1" dirty="0" smtClean="0">
+              <a:t>Based on the written referee reports, the "handler" proposes whether the paper should be accepted, rejected or can be resubmitted with minor/major improvements</a:t>
+            </a:r>
+          </a:p>
+          <a:p>
+            <a:pPr marL="728663" lvl="1" indent="-271463">
+              <a:spcBef>
+                <a:spcPts val="300"/>
+              </a:spcBef>
+            </a:pPr>
+            <a:r>
+              <a:rPr lang="en-GB" altLang="da-DK" sz="1600" dirty="0"/>
+              <a:t>The final decision is made by the editor-in-chief</a:t>
+            </a:r>
+          </a:p>
+          <a:p>
+            <a:pPr marL="271463" lvl="1" indent="-271463">
+              <a:spcBef>
+                <a:spcPts val="1200"/>
+              </a:spcBef>
+              <a:buChar char="•"/>
+            </a:pPr>
+            <a:r>
+              <a:rPr lang="en-GB" altLang="da-DK" sz="1800" b="1" spc="-10" dirty="0">
                 <a:solidFill>
                   <a:srgbClr val="A50021"/>
                 </a:solidFill>
                 <a:cs typeface="ＭＳ Ｐゴシック" charset="0"/>
               </a:rPr>
-              <a:t>reports, the "handler" proposes whether the paper should be accepted</a:t>
-            </a:r>
-            <a:r>
-              <a:rPr lang="en-GB" altLang="da-DK" sz="1800" b="1" dirty="0">
-                <a:solidFill>
-                  <a:srgbClr val="A50021"/>
-                </a:solidFill>
-                <a:cs typeface="ＭＳ Ｐゴシック" charset="0"/>
-              </a:rPr>
-              <a:t>, </a:t>
-            </a:r>
-            <a:r>
-              <a:rPr lang="en-GB" altLang="da-DK" sz="1800" b="1" dirty="0" smtClean="0">
-                <a:solidFill>
-                  <a:srgbClr val="A50021"/>
-                </a:solidFill>
-                <a:cs typeface="ＭＳ Ｐゴシック" charset="0"/>
-              </a:rPr>
-              <a:t>rejected or can be resubmitted with minor/major improvements</a:t>
-            </a:r>
-            <a:endParaRPr lang="en-GB" altLang="da-DK" sz="1800" b="1" dirty="0">
-              <a:solidFill>
-                <a:srgbClr val="A50021"/>
-              </a:solidFill>
-              <a:cs typeface="ＭＳ Ｐゴシック" charset="0"/>
-            </a:endParaRPr>
+              <a:t>The final revised papers are thoroughly checked by the original reviewers</a:t>
+            </a:r>
           </a:p>
           <a:p>
             <a:pPr marL="728663" lvl="1" indent="-271463">
@@ -11760,77 +11335,9 @@
               </a:spcBef>
             </a:pPr>
             <a:r>
-              <a:rPr lang="en-GB" altLang="da-DK" sz="1600" dirty="0" smtClean="0"/>
-              <a:t>The final decision is made by the editor-in-chief</a:t>
-            </a:r>
-          </a:p>
-          <a:p>
-            <a:pPr marL="271463" lvl="1" indent="-271463">
-              <a:spcBef>
-                <a:spcPts val="1200"/>
-              </a:spcBef>
-              <a:buChar char="•"/>
-            </a:pPr>
-            <a:r>
-              <a:rPr lang="en-GB" altLang="da-DK" sz="1800" b="1" spc="-10" dirty="0">
-                <a:solidFill>
-                  <a:srgbClr val="A50021"/>
-                </a:solidFill>
-                <a:cs typeface="ＭＳ Ｐゴシック" charset="0"/>
-              </a:rPr>
-              <a:t>The final </a:t>
-            </a:r>
-            <a:r>
-              <a:rPr lang="en-GB" altLang="da-DK" sz="1800" b="1" spc="-10" dirty="0" smtClean="0">
-                <a:solidFill>
-                  <a:srgbClr val="A50021"/>
-                </a:solidFill>
-                <a:cs typeface="ＭＳ Ｐゴシック" charset="0"/>
-              </a:rPr>
-              <a:t>revised papers </a:t>
-            </a:r>
-            <a:r>
-              <a:rPr lang="en-GB" altLang="da-DK" sz="1800" b="1" spc="-10" dirty="0">
-                <a:solidFill>
-                  <a:srgbClr val="A50021"/>
-                </a:solidFill>
-                <a:cs typeface="ＭＳ Ｐゴシック" charset="0"/>
-              </a:rPr>
-              <a:t>are </a:t>
-            </a:r>
-            <a:r>
-              <a:rPr lang="en-GB" altLang="da-DK" sz="1800" b="1" spc="-10" dirty="0" smtClean="0">
-                <a:solidFill>
-                  <a:srgbClr val="A50021"/>
-                </a:solidFill>
-                <a:cs typeface="ＭＳ Ｐゴシック" charset="0"/>
-              </a:rPr>
-              <a:t>thoroughly checked </a:t>
-            </a:r>
-            <a:r>
-              <a:rPr lang="en-GB" altLang="da-DK" sz="1800" b="1" spc="-10" dirty="0">
-                <a:solidFill>
-                  <a:srgbClr val="A50021"/>
-                </a:solidFill>
-                <a:cs typeface="ＭＳ Ｐゴシック" charset="0"/>
-              </a:rPr>
-              <a:t>by the original </a:t>
-            </a:r>
-            <a:r>
-              <a:rPr lang="en-GB" altLang="da-DK" sz="1800" b="1" spc="-10" dirty="0" smtClean="0">
-                <a:solidFill>
-                  <a:srgbClr val="A50021"/>
-                </a:solidFill>
-                <a:cs typeface="ＭＳ Ｐゴシック" charset="0"/>
-              </a:rPr>
-              <a:t>reviewers</a:t>
-            </a:r>
-            <a:endParaRPr lang="en-GB" altLang="da-DK" sz="1800" b="1" spc="-10" dirty="0">
-              <a:solidFill>
-                <a:srgbClr val="A50021"/>
-              </a:solidFill>
-              <a:cs typeface="ＭＳ Ｐゴシック" charset="0"/>
-            </a:endParaRPr>
+              <a:rPr lang="en-GB" altLang="da-DK" sz="1600" dirty="0"/>
+              <a:t>Usually, authors provide a document in which they describe how the different proposals for improvements have been taken care of</a:t>
+            </a:r>
           </a:p>
           <a:p>
             <a:pPr marL="728663" lvl="1" indent="-271463">
@@ -11839,8 +11346,8 @@
               </a:spcBef>
             </a:pPr>
             <a:r>
-              <a:rPr lang="en-GB" altLang="da-DK" sz="1600" dirty="0" smtClean="0"/>
-              <a:t>Usually, authors provide a document in which they describe how the different proposals for improvements have been taken care of</a:t>
+              <a:rPr lang="en-GB" altLang="da-DK" sz="1600" dirty="0"/>
+              <a:t>For proposals that have not been followed, detailed arguments are given</a:t>
             </a:r>
           </a:p>
           <a:p>
@@ -11850,18 +11357,7 @@
               </a:spcBef>
             </a:pPr>
             <a:r>
-              <a:rPr lang="en-GB" altLang="da-DK" sz="1600" dirty="0" smtClean="0"/>
-              <a:t>For proposals that have not been followed, detailed arguments are given</a:t>
-            </a:r>
-          </a:p>
-          <a:p>
-            <a:pPr marL="728663" lvl="1" indent="-271463">
-              <a:spcBef>
-                <a:spcPts val="300"/>
-              </a:spcBef>
-            </a:pPr>
-            <a:r>
-              <a:rPr lang="en-GB" altLang="da-DK" sz="1600" dirty="0" smtClean="0"/>
+              <a:rPr lang="en-GB" altLang="da-DK" sz="1600" dirty="0"/>
               <a:t>For some journals, the final version of papers are checked by a professional with linguistic background</a:t>
             </a:r>
           </a:p>
@@ -11906,13 +11402,6 @@
   <p:clrMapOvr>
     <a:masterClrMapping/>
   </p:clrMapOvr>
-  <p:timing>
-    <p:tnLst>
-      <p:par>
-        <p:cTn id="1" dur="indefinite" restart="never" nodeType="tmRoot"/>
-      </p:par>
-    </p:tnLst>
-  </p:timing>
 </p:sld>
 </file>
 
@@ -11957,7 +11446,7 @@
               <a:defRPr/>
             </a:pPr>
             <a:r>
-              <a:rPr lang="en-GB" altLang="da-DK" sz="2800" dirty="0" smtClean="0"/>
+              <a:rPr lang="en-GB" altLang="da-DK" sz="2800" dirty="0"/>
               <a:t>Comparison of conferences and journals</a:t>
             </a:r>
           </a:p>
@@ -11991,7 +11480,7 @@
               <a:buChar char="•"/>
             </a:pPr>
             <a:r>
-              <a:rPr lang="en-GB" altLang="da-DK" sz="1800" b="1" dirty="0" smtClean="0">
+              <a:rPr lang="en-GB" altLang="da-DK" sz="1800" b="1" dirty="0">
                 <a:solidFill>
                   <a:srgbClr val="A50021"/>
                 </a:solidFill>
@@ -12008,19 +11497,18 @@
             </a:pPr>
             <a:r>
               <a:rPr lang="en-GB" altLang="da-DK" sz="1600" dirty="0"/>
-              <a:t>When all slots are </a:t>
-            </a:r>
-            <a:r>
-              <a:rPr lang="en-GB" altLang="da-DK" sz="1600" dirty="0" smtClean="0"/>
-              <a:t>filled, </a:t>
-            </a:r>
+              <a:t>When all slots are filled, additional papers must be rejected although some of them may be of high-quality</a:t>
+            </a:r>
+          </a:p>
+          <a:p>
+            <a:pPr marL="728663" lvl="1" indent="-271463">
+              <a:spcBef>
+                <a:spcPts val="300"/>
+              </a:spcBef>
+            </a:pPr>
             <a:r>
               <a:rPr lang="en-GB" altLang="da-DK" sz="1600" dirty="0"/>
-              <a:t>additional papers must be </a:t>
-            </a:r>
-            <a:r>
-              <a:rPr lang="en-GB" altLang="da-DK" sz="1600" dirty="0" smtClean="0"/>
-              <a:t>rejected although some of them may be of high-quality</a:t>
+              <a:t>Such papers can be re-submitted next year or submitted to another conference</a:t>
             </a:r>
           </a:p>
           <a:p>
@@ -12030,8 +11518,8 @@
               </a:spcBef>
             </a:pPr>
             <a:r>
-              <a:rPr lang="en-GB" altLang="da-DK" sz="1600" dirty="0" smtClean="0"/>
-              <a:t>Such papers can be re-submitted next year or submitted to another conference</a:t>
+              <a:rPr lang="en-GB" altLang="da-DK" sz="1600" dirty="0"/>
+              <a:t>It is wise to improve the papers before resubmission – since it is likely that they will have one or more referees who have seen the old version</a:t>
             </a:r>
           </a:p>
           <a:p>
@@ -12041,8 +11529,8 @@
               </a:spcBef>
             </a:pPr>
             <a:r>
-              <a:rPr lang="en-GB" altLang="da-DK" sz="1600" dirty="0" smtClean="0"/>
-              <a:t>It is wise to improve the papers before resubmission – since it is likely that they will have one or more referees who have seen the old version</a:t>
+              <a:rPr lang="en-GB" altLang="da-DK" sz="1600" dirty="0"/>
+              <a:t>The turn-around time is short (typically 4-6 months from submission to conference)</a:t>
             </a:r>
           </a:p>
           <a:p>
@@ -12052,22 +11540,11 @@
               </a:spcBef>
             </a:pPr>
             <a:r>
-              <a:rPr lang="en-GB" altLang="da-DK" sz="1600" dirty="0" smtClean="0"/>
-              <a:t>The turn-around time is short (typically 4-6 months from submission to conference)</a:t>
-            </a:r>
-          </a:p>
-          <a:p>
-            <a:pPr marL="728663" lvl="1" indent="-271463">
-              <a:spcBef>
-                <a:spcPts val="300"/>
-              </a:spcBef>
-            </a:pPr>
-            <a:r>
-              <a:rPr lang="en-GB" altLang="da-DK" sz="1600" dirty="0" smtClean="0"/>
+              <a:rPr lang="en-GB" altLang="da-DK" sz="1600" dirty="0"/>
               <a:t>There is an </a:t>
             </a:r>
             <a:r>
-              <a:rPr lang="en-GB" altLang="da-DK" sz="1600" b="1" dirty="0" smtClean="0">
+              <a:rPr lang="en-GB" altLang="da-DK" sz="1600" b="1" dirty="0">
                 <a:solidFill>
                   <a:srgbClr val="008000"/>
                 </a:solidFill>
@@ -12075,7 +11552,7 @@
               <a:t>oral presentation</a:t>
             </a:r>
             <a:r>
-              <a:rPr lang="en-GB" altLang="da-DK" sz="1600" dirty="0" smtClean="0"/>
+              <a:rPr lang="en-GB" altLang="da-DK" sz="1600" dirty="0"/>
               <a:t> at the conference (typically 15-20 minutes, followed by a short discussion)</a:t>
             </a:r>
           </a:p>
@@ -12103,7 +11580,7 @@
               </a:spcBef>
             </a:pPr>
             <a:r>
-              <a:rPr lang="en-GB" altLang="da-DK" sz="1600" spc="-30" dirty="0" smtClean="0"/>
+              <a:rPr lang="en-GB" altLang="da-DK" sz="1600" spc="-30" dirty="0"/>
               <a:t>Accepted papers are queued and will be published when there is space in the journal</a:t>
             </a:r>
           </a:p>
@@ -12114,7 +11591,7 @@
               </a:spcBef>
             </a:pPr>
             <a:r>
-              <a:rPr lang="en-GB" altLang="da-DK" sz="1600" dirty="0" smtClean="0"/>
+              <a:rPr lang="en-GB" altLang="da-DK" sz="1600" dirty="0"/>
               <a:t>If a paper is found good enough, it will be accepted</a:t>
             </a:r>
           </a:p>
@@ -12126,61 +11603,29 @@
             </a:pPr>
             <a:r>
               <a:rPr lang="en-GB" altLang="da-DK" sz="1600" dirty="0"/>
-              <a:t>The turn-around time is </a:t>
-            </a:r>
-            <a:r>
-              <a:rPr lang="en-GB" altLang="da-DK" sz="1600" dirty="0" smtClean="0"/>
-              <a:t>long </a:t>
-            </a:r>
+              <a:t>The turn-around time is long (typically 1-2 years from submission to publication)</a:t>
+            </a:r>
+          </a:p>
+          <a:p>
+            <a:pPr marL="728663" lvl="1" indent="-271463">
+              <a:spcBef>
+                <a:spcPts val="300"/>
+              </a:spcBef>
+            </a:pPr>
             <a:r>
               <a:rPr lang="en-GB" altLang="da-DK" sz="1600" dirty="0"/>
-              <a:t>(typically </a:t>
-            </a:r>
-            <a:r>
-              <a:rPr lang="en-GB" altLang="da-DK" sz="1600" dirty="0" smtClean="0"/>
-              <a:t>1-2 years </a:t>
-            </a:r>
+              <a:t>Submissions can be done at any time</a:t>
+            </a:r>
+          </a:p>
+          <a:p>
+            <a:pPr marL="728663" lvl="1" indent="-271463">
+              <a:spcBef>
+                <a:spcPts val="300"/>
+              </a:spcBef>
+            </a:pPr>
             <a:r>
               <a:rPr lang="en-GB" altLang="da-DK" sz="1600" dirty="0"/>
-              <a:t>from submission to </a:t>
-            </a:r>
-            <a:r>
-              <a:rPr lang="en-GB" altLang="da-DK" sz="1600" dirty="0" smtClean="0"/>
-              <a:t>publication)</a:t>
-            </a:r>
-          </a:p>
-          <a:p>
-            <a:pPr marL="728663" lvl="1" indent="-271463">
-              <a:spcBef>
-                <a:spcPts val="300"/>
-              </a:spcBef>
-            </a:pPr>
-            <a:r>
-              <a:rPr lang="en-GB" altLang="da-DK" sz="1600" dirty="0" smtClean="0"/>
-              <a:t>Submissions can be done at any time</a:t>
-            </a:r>
-          </a:p>
-          <a:p>
-            <a:pPr marL="728663" lvl="1" indent="-271463">
-              <a:spcBef>
-                <a:spcPts val="300"/>
-              </a:spcBef>
-            </a:pPr>
-            <a:r>
-              <a:rPr lang="en-GB" altLang="da-DK" sz="1600" dirty="0"/>
-              <a:t>There is </a:t>
-            </a:r>
-            <a:r>
-              <a:rPr lang="en-GB" altLang="da-DK" sz="1600" dirty="0" smtClean="0"/>
-              <a:t>no </a:t>
-            </a:r>
-            <a:r>
-              <a:rPr lang="en-GB" altLang="da-DK" sz="1600" dirty="0"/>
-              <a:t>oral </a:t>
-            </a:r>
-            <a:r>
-              <a:rPr lang="en-GB" altLang="da-DK" sz="1600" dirty="0" smtClean="0"/>
-              <a:t>presentation of the paper</a:t>
+              <a:t>There is no oral presentation of the paper</a:t>
             </a:r>
           </a:p>
           <a:p>
@@ -12191,31 +11636,13 @@
               <a:buChar char="•"/>
             </a:pPr>
             <a:r>
-              <a:rPr lang="en-GB" altLang="da-DK" sz="1800" b="1" dirty="0" smtClean="0">
+              <a:rPr lang="en-GB" altLang="da-DK" sz="1800" b="1" dirty="0">
                 <a:solidFill>
                   <a:srgbClr val="A50021"/>
                 </a:solidFill>
                 <a:cs typeface="ＭＳ Ｐゴシック" charset="0"/>
               </a:rPr>
-              <a:t>Some journals </a:t>
-            </a:r>
-            <a:r>
-              <a:rPr lang="en-GB" altLang="da-DK" sz="1800" b="1" dirty="0">
-                <a:solidFill>
-                  <a:srgbClr val="A50021"/>
-                </a:solidFill>
-                <a:cs typeface="ＭＳ Ｐゴシック" charset="0"/>
-              </a:rPr>
-              <a:t>have </a:t>
-            </a:r>
-            <a:r>
-              <a:rPr lang="en-GB" altLang="da-DK" sz="1800" b="1" dirty="0" smtClean="0">
-                <a:solidFill>
-                  <a:srgbClr val="A50021"/>
-                </a:solidFill>
-                <a:cs typeface="ＭＳ Ｐゴシック" charset="0"/>
-              </a:rPr>
-              <a:t>"special sections" covering a narrow area, e.g. with the best papers from a conference</a:t>
+              <a:t>Some journals have "special sections" covering a narrow area, e.g. with the best papers from a conference</a:t>
             </a:r>
           </a:p>
           <a:p>
@@ -12225,7 +11652,7 @@
               </a:spcBef>
             </a:pPr>
             <a:r>
-              <a:rPr lang="en-GB" altLang="da-DK" sz="1600" dirty="0" smtClean="0"/>
+              <a:rPr lang="en-GB" altLang="da-DK" sz="1600" dirty="0"/>
               <a:t>Authors are invited to publish, and papers will usually be accepted if they are of decent quality</a:t>
             </a:r>
           </a:p>
@@ -12236,26 +11663,9 @@
               </a:spcBef>
             </a:pPr>
             <a:r>
-              <a:rPr lang="en-GB" altLang="da-DK" sz="1600" dirty="0" smtClean="0"/>
-              <a:t>The </a:t>
-            </a:r>
-            <a:r>
               <a:rPr lang="en-GB" altLang="da-DK" sz="1600" dirty="0"/>
-              <a:t>space is </a:t>
-            </a:r>
-            <a:r>
-              <a:rPr lang="en-GB" altLang="da-DK" sz="1600" dirty="0" smtClean="0"/>
-              <a:t>limited (to some extend), </a:t>
-            </a:r>
-            <a:r>
-              <a:rPr lang="en-GB" altLang="da-DK" sz="1600" dirty="0"/>
-              <a:t>and the turn-around time </a:t>
-            </a:r>
-            <a:r>
-              <a:rPr lang="en-GB" altLang="da-DK" sz="1600" dirty="0" smtClean="0"/>
-              <a:t>medium</a:t>
-            </a:r>
-            <a:endParaRPr lang="en-GB" altLang="da-DK" sz="1600" dirty="0"/>
+              <a:t>The space is limited (to some extend), and the turn-around time medium</a:t>
+            </a:r>
           </a:p>
         </p:txBody>
       </p:sp>
@@ -12298,13 +11708,6 @@
   <p:clrMapOvr>
     <a:masterClrMapping/>
   </p:clrMapOvr>
-  <p:timing>
-    <p:tnLst>
-      <p:par>
-        <p:cTn id="1" dur="indefinite" restart="never" nodeType="tmRoot"/>
-      </p:par>
-    </p:tnLst>
-  </p:timing>
 </p:sld>
 </file>
 
@@ -12349,7 +11752,7 @@
               <a:defRPr/>
             </a:pPr>
             <a:r>
-              <a:rPr lang="en-GB" altLang="da-DK" sz="2800" dirty="0" smtClean="0"/>
+              <a:rPr lang="en-GB" altLang="da-DK" sz="2800" dirty="0"/>
               <a:t>Workshops and tool / poster sessions</a:t>
             </a:r>
           </a:p>
@@ -12383,7 +11786,7 @@
               <a:buChar char="•"/>
             </a:pPr>
             <a:r>
-              <a:rPr lang="en-GB" altLang="da-DK" sz="1800" b="1" dirty="0" smtClean="0">
+              <a:rPr lang="en-GB" altLang="da-DK" sz="1800" b="1" dirty="0">
                 <a:solidFill>
                   <a:srgbClr val="A50021"/>
                 </a:solidFill>
@@ -12399,7 +11802,7 @@
               </a:spcBef>
             </a:pPr>
             <a:r>
-              <a:rPr lang="en-GB" altLang="da-DK" sz="1600" dirty="0" smtClean="0"/>
+              <a:rPr lang="en-GB" altLang="da-DK" sz="1600" dirty="0"/>
               <a:t>Papers with interesting ideas may be accepted even though they appear to have some flaws/gaps</a:t>
             </a:r>
           </a:p>
@@ -12410,7 +11813,7 @@
               </a:spcBef>
             </a:pPr>
             <a:r>
-              <a:rPr lang="en-GB" altLang="da-DK" sz="1600" dirty="0" smtClean="0"/>
+              <a:rPr lang="en-GB" altLang="da-DK" sz="1600" dirty="0"/>
               <a:t>Some workshop are totally open without peer-reviewing</a:t>
             </a:r>
           </a:p>
@@ -12428,134 +11831,69 @@
                 </a:solidFill>
                 <a:cs typeface="ＭＳ Ｐゴシック" charset="0"/>
               </a:rPr>
-              <a:t>Tool </a:t>
-            </a:r>
-            <a:r>
-              <a:rPr lang="en-GB" altLang="da-DK" sz="1800" b="1" dirty="0" smtClean="0">
+              <a:t>Tool and poster sessions</a:t>
+            </a:r>
+          </a:p>
+          <a:p>
+            <a:pPr marL="728663" lvl="1" indent="-271463">
+              <a:spcBef>
+                <a:spcPts val="300"/>
+              </a:spcBef>
+            </a:pPr>
+            <a:r>
+              <a:rPr lang="en-GB" altLang="da-DK" sz="1600" dirty="0"/>
+              <a:t>Rules and quality vary a lot from event to event</a:t>
+            </a:r>
+          </a:p>
+          <a:p>
+            <a:pPr marL="728663" lvl="1" indent="-271463">
+              <a:spcBef>
+                <a:spcPts val="300"/>
+              </a:spcBef>
+            </a:pPr>
+            <a:r>
+              <a:rPr lang="en-GB" altLang="da-DK" sz="1600" dirty="0"/>
+              <a:t>It is a good way to show ongoing work and have discussions with colleagues, but they are seldom useful for your CV</a:t>
+            </a:r>
+          </a:p>
+          <a:p>
+            <a:pPr marL="728663" lvl="1" indent="-271463">
+              <a:spcBef>
+                <a:spcPts val="300"/>
+              </a:spcBef>
+            </a:pPr>
+            <a:r>
+              <a:rPr lang="en-GB" altLang="da-DK" sz="1600" dirty="0"/>
+              <a:t>There are exceptions. As an example, it is very prestigious to be allowed to present new interaction ideas at some of the best HCI-conferences</a:t>
+            </a:r>
+          </a:p>
+          <a:p>
+            <a:pPr marL="457200" lvl="1" indent="0">
+              <a:spcBef>
+                <a:spcPts val="300"/>
+              </a:spcBef>
+              <a:buNone/>
+            </a:pPr>
+            <a:endParaRPr lang="en-GB" altLang="da-DK" sz="1600" dirty="0"/>
+          </a:p>
+          <a:p>
+            <a:pPr marL="271463" lvl="1" indent="-271463">
+              <a:spcBef>
+                <a:spcPts val="1200"/>
+              </a:spcBef>
+              <a:buChar char="•"/>
+            </a:pPr>
+            <a:r>
+              <a:rPr lang="en-GB" altLang="da-DK" sz="1800" b="1" dirty="0">
                 <a:solidFill>
                   <a:srgbClr val="A50021"/>
                 </a:solidFill>
                 <a:cs typeface="ＭＳ Ｐゴシック" charset="0"/>
               </a:rPr>
-              <a:t>and </a:t>
+              <a:t>There is a significant number of </a:t>
             </a:r>
             <a:r>
               <a:rPr lang="en-GB" altLang="da-DK" sz="1800" b="1" dirty="0">
-                <a:solidFill>
-                  <a:srgbClr val="A50021"/>
-                </a:solidFill>
-                <a:cs typeface="ＭＳ Ｐゴシック" charset="0"/>
-              </a:rPr>
-              <a:t>poster </a:t>
-            </a:r>
-            <a:r>
-              <a:rPr lang="en-GB" altLang="da-DK" sz="1800" b="1" dirty="0" smtClean="0">
-                <a:solidFill>
-                  <a:srgbClr val="A50021"/>
-                </a:solidFill>
-                <a:cs typeface="ＭＳ Ｐゴシック" charset="0"/>
-              </a:rPr>
-              <a:t>sessions</a:t>
-            </a:r>
-          </a:p>
-          <a:p>
-            <a:pPr marL="728663" lvl="1" indent="-271463">
-              <a:spcBef>
-                <a:spcPts val="300"/>
-              </a:spcBef>
-            </a:pPr>
-            <a:r>
-              <a:rPr lang="en-GB" altLang="da-DK" sz="1600" dirty="0"/>
-              <a:t>Rules </a:t>
-            </a:r>
-            <a:r>
-              <a:rPr lang="en-GB" altLang="da-DK" sz="1600" dirty="0" smtClean="0"/>
-              <a:t>and quality vary </a:t>
-            </a:r>
-            <a:r>
-              <a:rPr lang="en-GB" altLang="da-DK" sz="1600" dirty="0"/>
-              <a:t>a lot </a:t>
-            </a:r>
-            <a:r>
-              <a:rPr lang="en-GB" altLang="da-DK" sz="1600" dirty="0" smtClean="0"/>
-              <a:t>from event </a:t>
-            </a:r>
-            <a:r>
-              <a:rPr lang="en-GB" altLang="da-DK" sz="1600" dirty="0"/>
-              <a:t>to </a:t>
-            </a:r>
-            <a:r>
-              <a:rPr lang="en-GB" altLang="da-DK" sz="1600" dirty="0" smtClean="0"/>
-              <a:t>event</a:t>
-            </a:r>
-          </a:p>
-          <a:p>
-            <a:pPr marL="728663" lvl="1" indent="-271463">
-              <a:spcBef>
-                <a:spcPts val="300"/>
-              </a:spcBef>
-            </a:pPr>
-            <a:r>
-              <a:rPr lang="en-GB" altLang="da-DK" sz="1600" dirty="0" smtClean="0"/>
-              <a:t>It is a good way to show ongoing work and have discussions with colleagues, but they are seldom useful for your CV</a:t>
-            </a:r>
-          </a:p>
-          <a:p>
-            <a:pPr marL="728663" lvl="1" indent="-271463">
-              <a:spcBef>
-                <a:spcPts val="300"/>
-              </a:spcBef>
-            </a:pPr>
-            <a:r>
-              <a:rPr lang="en-GB" altLang="da-DK" sz="1600" dirty="0" smtClean="0"/>
-              <a:t>There are exceptions. As an example, it is very prestigious to be allowed to present new interaction ideas at some of the best HCI-conferences</a:t>
-            </a:r>
-          </a:p>
-          <a:p>
-            <a:pPr marL="457200" lvl="1" indent="0">
-              <a:spcBef>
-                <a:spcPts val="300"/>
-              </a:spcBef>
-              <a:buNone/>
-            </a:pPr>
-            <a:endParaRPr lang="en-GB" altLang="da-DK" sz="1600" dirty="0"/>
-          </a:p>
-          <a:p>
-            <a:pPr marL="271463" lvl="1" indent="-271463">
-              <a:spcBef>
-                <a:spcPts val="1200"/>
-              </a:spcBef>
-              <a:buChar char="•"/>
-            </a:pPr>
-            <a:r>
-              <a:rPr lang="en-GB" altLang="da-DK" sz="1800" b="1" dirty="0">
-                <a:solidFill>
-                  <a:srgbClr val="A50021"/>
-                </a:solidFill>
-                <a:cs typeface="ＭＳ Ｐゴシック" charset="0"/>
-              </a:rPr>
-              <a:t>There </a:t>
-            </a:r>
-            <a:r>
-              <a:rPr lang="en-GB" altLang="da-DK" sz="1800" b="1" dirty="0" smtClean="0">
-                <a:solidFill>
-                  <a:srgbClr val="A50021"/>
-                </a:solidFill>
-                <a:cs typeface="ＭＳ Ｐゴシック" charset="0"/>
-              </a:rPr>
-              <a:t>is </a:t>
-            </a:r>
-            <a:r>
-              <a:rPr lang="en-GB" altLang="da-DK" sz="1800" b="1" dirty="0">
-                <a:solidFill>
-                  <a:srgbClr val="A50021"/>
-                </a:solidFill>
-                <a:cs typeface="ＭＳ Ｐゴシック" charset="0"/>
-              </a:rPr>
-              <a:t>a significant number of </a:t>
-            </a:r>
-            <a:r>
-              <a:rPr lang="en-GB" altLang="da-DK" sz="1800" b="1" dirty="0" smtClean="0">
                 <a:solidFill>
                   <a:srgbClr val="008000"/>
                 </a:solidFill>
@@ -12564,38 +11902,14 @@
               <a:t>bogus</a:t>
             </a:r>
             <a:r>
-              <a:rPr lang="en-GB" altLang="da-DK" sz="1800" b="1" dirty="0" smtClean="0">
+              <a:rPr lang="en-GB" altLang="da-DK" sz="1800" b="1" dirty="0">
                 <a:solidFill>
                   <a:srgbClr val="A50021"/>
                 </a:solidFill>
                 <a:cs typeface="ＭＳ Ｐゴシック" charset="0"/>
               </a:rPr>
-              <a:t> </a:t>
-            </a:r>
-            <a:r>
-              <a:rPr lang="en-GB" altLang="da-DK" sz="1800" b="1" dirty="0">
-                <a:solidFill>
-                  <a:srgbClr val="A50021"/>
-                </a:solidFill>
-                <a:cs typeface="ＭＳ Ｐゴシック" charset="0"/>
-              </a:rPr>
-              <a:t>journals and </a:t>
-            </a:r>
-            <a:r>
-              <a:rPr lang="en-GB" altLang="da-DK" sz="1800" b="1" dirty="0" smtClean="0">
-                <a:solidFill>
-                  <a:srgbClr val="A50021"/>
-                </a:solidFill>
-                <a:cs typeface="ＭＳ Ｐゴシック" charset="0"/>
-              </a:rPr>
-              <a:t>conferences</a:t>
-            </a:r>
-            <a:endParaRPr lang="en-GB" altLang="da-DK" sz="1800" b="1" dirty="0">
-              <a:solidFill>
-                <a:srgbClr val="A50021"/>
-              </a:solidFill>
-              <a:cs typeface="ＭＳ Ｐゴシック" charset="0"/>
-            </a:endParaRPr>
+              <a:t> journals and conferences</a:t>
+            </a:r>
           </a:p>
           <a:p>
             <a:pPr marL="728663" lvl="1" indent="-271463">
@@ -12604,7 +11918,7 @@
               </a:spcBef>
             </a:pPr>
             <a:r>
-              <a:rPr lang="en-GB" altLang="da-DK" sz="1600" dirty="0" smtClean="0"/>
+              <a:rPr lang="en-GB" altLang="da-DK" sz="1600" dirty="0"/>
               <a:t>All (or most papers) are accepted with no peer-reviewing or with referees who are unknown (internationally) in their field</a:t>
             </a:r>
           </a:p>
@@ -12615,10 +11929,9 @@
               </a:spcBef>
             </a:pPr>
             <a:r>
-              <a:rPr lang="en-GB" altLang="da-DK" sz="1600" dirty="0" smtClean="0"/>
+              <a:rPr lang="en-GB" altLang="da-DK" sz="1600" dirty="0"/>
               <a:t>Conferences are typically held at "touristic" places like Hawaii or a cruise ship </a:t>
             </a:r>
-            <a:endParaRPr lang="en-GB" altLang="da-DK" sz="1600" dirty="0"/>
           </a:p>
           <a:p>
             <a:pPr marL="728663" lvl="1" indent="-271463">
@@ -12627,11 +11940,11 @@
               </a:spcBef>
             </a:pPr>
             <a:r>
-              <a:rPr lang="en-GB" altLang="da-DK" sz="1600" dirty="0" smtClean="0"/>
+              <a:rPr lang="en-GB" altLang="da-DK" sz="1600" dirty="0"/>
               <a:t>It will </a:t>
             </a:r>
             <a:r>
-              <a:rPr lang="en-GB" altLang="da-DK" sz="1600" b="1" dirty="0" smtClean="0">
+              <a:rPr lang="en-GB" altLang="da-DK" sz="1600" b="1" dirty="0">
                 <a:solidFill>
                   <a:srgbClr val="008000"/>
                 </a:solidFill>
@@ -12639,10 +11952,9 @@
               <a:t>harm</a:t>
             </a:r>
             <a:r>
-              <a:rPr lang="en-GB" altLang="da-DK" sz="1600" dirty="0" smtClean="0"/>
+              <a:rPr lang="en-GB" altLang="da-DK" sz="1600" dirty="0"/>
               <a:t> your CV to publish or referee at such places (since it indicates bad judgement from your side)</a:t>
             </a:r>
-            <a:endParaRPr lang="en-GB" altLang="da-DK" sz="1600" dirty="0"/>
           </a:p>
         </p:txBody>
       </p:sp>
@@ -12685,13 +11997,6 @@
   <p:clrMapOvr>
     <a:masterClrMapping/>
   </p:clrMapOvr>
-  <p:timing>
-    <p:tnLst>
-      <p:par>
-        <p:cTn id="1" dur="indefinite" restart="never" nodeType="tmRoot"/>
-      </p:par>
-    </p:tnLst>
-  </p:timing>
 </p:sld>
 </file>
 
@@ -12736,7 +12041,7 @@
               <a:defRPr/>
             </a:pPr>
             <a:r>
-              <a:rPr lang="en-GB" altLang="da-DK" sz="2800" dirty="0" smtClean="0"/>
+              <a:rPr lang="en-GB" altLang="da-DK" sz="2800" dirty="0"/>
               <a:t>Bibliographic measures</a:t>
             </a:r>
           </a:p>
@@ -12770,7 +12075,7 @@
               <a:buChar char="•"/>
             </a:pPr>
             <a:r>
-              <a:rPr lang="en-GB" altLang="da-DK" sz="1800" b="1" dirty="0" smtClean="0">
+              <a:rPr lang="en-GB" altLang="da-DK" sz="1800" b="1" dirty="0">
                 <a:solidFill>
                   <a:srgbClr val="A50021"/>
                 </a:solidFill>
@@ -12786,7 +12091,7 @@
               </a:spcBef>
             </a:pPr>
             <a:r>
-              <a:rPr lang="en-GB" altLang="da-DK" sz="1600" dirty="0" smtClean="0"/>
+              <a:rPr lang="en-GB" altLang="da-DK" sz="1600" dirty="0"/>
               <a:t>Since the majority of computer science publications are in conferences, impact factors have little importance/value within our field</a:t>
             </a:r>
           </a:p>
@@ -12797,18 +12102,9 @@
               </a:spcBef>
             </a:pPr>
             <a:r>
-              <a:rPr lang="en-GB" altLang="da-DK" sz="1600" dirty="0" smtClean="0"/>
-              <a:t>Instead, it is common to </a:t>
-            </a:r>
-            <a:r>
               <a:rPr lang="en-GB" altLang="da-DK" sz="1600" dirty="0"/>
-              <a:t>look at the following quantitative </a:t>
-            </a:r>
-            <a:r>
-              <a:rPr lang="en-GB" altLang="da-DK" sz="1600" dirty="0" smtClean="0"/>
-              <a:t>measures for a researcher</a:t>
-            </a:r>
-            <a:endParaRPr lang="en-GB" altLang="da-DK" sz="1600" dirty="0"/>
+              <a:t>Instead, it is common to look at the following quantitative measures for a researcher</a:t>
+            </a:r>
           </a:p>
           <a:p>
             <a:pPr marL="271463" lvl="1" indent="-271463">
@@ -12818,7 +12114,7 @@
               <a:buChar char="•"/>
             </a:pPr>
             <a:r>
-              <a:rPr lang="en-GB" altLang="da-DK" sz="1800" b="1" dirty="0" smtClean="0">
+              <a:rPr lang="en-GB" altLang="da-DK" sz="1800" b="1" dirty="0">
                 <a:solidFill>
                   <a:srgbClr val="A50021"/>
                 </a:solidFill>
@@ -12834,27 +12130,11 @@
               </a:spcBef>
             </a:pPr>
             <a:r>
-              <a:rPr lang="en-GB" altLang="da-DK" sz="1600" dirty="0" smtClean="0"/>
-              <a:t>The </a:t>
-            </a:r>
-            <a:r>
               <a:rPr lang="en-GB" altLang="da-DK" sz="1600" dirty="0"/>
-              <a:t>number of (</a:t>
-            </a:r>
-            <a:r>
-              <a:rPr lang="en-GB" altLang="da-DK" sz="1600" dirty="0" smtClean="0"/>
-              <a:t>peer-reviewed</a:t>
-            </a:r>
-            <a:r>
-              <a:rPr lang="en-GB" altLang="da-DK" sz="1600" dirty="0"/>
-              <a:t>) </a:t>
-            </a:r>
-            <a:r>
-              <a:rPr lang="en-GB" altLang="da-DK" sz="1600" dirty="0" smtClean="0"/>
-              <a:t>papers that have a </a:t>
-            </a:r>
-            <a:r>
-              <a:rPr lang="en-GB" altLang="da-DK" sz="1600" b="1" dirty="0" smtClean="0">
+              <a:t>The number of (peer-reviewed) papers that have a </a:t>
+            </a:r>
+            <a:r>
+              <a:rPr lang="en-GB" altLang="da-DK" sz="1600" b="1" dirty="0">
                 <a:solidFill>
                   <a:srgbClr val="008000"/>
                 </a:solidFill>
@@ -12862,7 +12142,7 @@
               <a:t>citation</a:t>
             </a:r>
             <a:r>
-              <a:rPr lang="en-GB" altLang="da-DK" sz="1600" dirty="0" smtClean="0"/>
+              <a:rPr lang="en-GB" altLang="da-DK" sz="1600" dirty="0"/>
               <a:t> (reference) to a paper written by the researcher</a:t>
             </a:r>
           </a:p>
@@ -12874,7 +12154,7 @@
               <a:buChar char="•"/>
             </a:pPr>
             <a:r>
-              <a:rPr lang="en-GB" altLang="da-DK" sz="1800" b="1" dirty="0" smtClean="0">
+              <a:rPr lang="en-GB" altLang="da-DK" sz="1800" b="1" dirty="0">
                 <a:solidFill>
                   <a:srgbClr val="A50021"/>
                 </a:solidFill>
@@ -12882,12 +12162,6 @@
               </a:rPr>
               <a:t>h-index</a:t>
             </a:r>
-            <a:endParaRPr lang="en-GB" altLang="da-DK" sz="1800" b="1" dirty="0">
-              <a:solidFill>
-                <a:srgbClr val="A50021"/>
-              </a:solidFill>
-              <a:cs typeface="ＭＳ Ｐゴシック" charset="0"/>
-            </a:endParaRPr>
           </a:p>
           <a:p>
             <a:pPr marL="728663" lvl="1" indent="-271463">
@@ -12896,11 +12170,11 @@
               </a:spcBef>
             </a:pPr>
             <a:r>
-              <a:rPr lang="en-GB" altLang="da-DK" sz="1600" dirty="0" smtClean="0"/>
+              <a:rPr lang="en-GB" altLang="da-DK" sz="1600" dirty="0"/>
               <a:t>The number of </a:t>
             </a:r>
             <a:r>
-              <a:rPr lang="en-GB" altLang="da-DK" sz="1600" b="1" dirty="0" smtClean="0">
+              <a:rPr lang="en-GB" altLang="da-DK" sz="1600" b="1" dirty="0">
                 <a:solidFill>
                   <a:srgbClr val="008000"/>
                 </a:solidFill>
@@ -12908,7 +12182,7 @@
               <a:t>well-cited papers</a:t>
             </a:r>
             <a:r>
-              <a:rPr lang="en-GB" altLang="da-DK" sz="1600" dirty="0" smtClean="0"/>
+              <a:rPr lang="en-GB" altLang="da-DK" sz="1600" dirty="0"/>
               <a:t> for the researcher</a:t>
             </a:r>
           </a:p>
@@ -12919,7 +12193,7 @@
               </a:spcBef>
             </a:pPr>
             <a:r>
-              <a:rPr lang="en-GB" altLang="da-DK" sz="1600" spc="-40" dirty="0" smtClean="0"/>
+              <a:rPr lang="en-GB" altLang="da-DK" sz="1600" spc="-40" dirty="0"/>
               <a:t>To have an H-index of N you must have N papers which each have at least N citations</a:t>
             </a:r>
           </a:p>
@@ -12931,7 +12205,7 @@
               <a:buChar char="•"/>
             </a:pPr>
             <a:r>
-              <a:rPr lang="en-GB" altLang="da-DK" sz="1800" b="1" dirty="0" smtClean="0">
+              <a:rPr lang="en-GB" altLang="da-DK" sz="1800" b="1" dirty="0">
                 <a:solidFill>
                   <a:srgbClr val="A50021"/>
                 </a:solidFill>
@@ -12948,15 +12222,7 @@
             </a:pPr>
             <a:r>
               <a:rPr lang="en-GB" altLang="da-DK" sz="1600" dirty="0"/>
-              <a:t>The number </a:t>
-            </a:r>
-            <a:r>
-              <a:rPr lang="en-GB" altLang="da-DK" sz="1600" dirty="0" smtClean="0"/>
-              <a:t>of </a:t>
-            </a:r>
-            <a:r>
-              <a:rPr lang="en-GB" altLang="da-DK" sz="1600" dirty="0"/>
-              <a:t>papers which have at least </a:t>
+              <a:t>The number of papers which have at least </a:t>
             </a:r>
             <a:r>
               <a:rPr lang="en-GB" altLang="da-DK" sz="1600" b="1" dirty="0">
@@ -12968,11 +12234,7 @@
             </a:r>
             <a:r>
               <a:rPr lang="en-GB" altLang="da-DK" sz="1600" dirty="0"/>
-              <a:t> </a:t>
-            </a:r>
-            <a:r>
-              <a:rPr lang="en-GB" altLang="da-DK" sz="1600" dirty="0" smtClean="0"/>
-              <a:t>each</a:t>
+              <a:t> each</a:t>
             </a:r>
           </a:p>
           <a:p>
@@ -12982,7 +12244,7 @@
               </a:spcBef>
             </a:pPr>
             <a:r>
-              <a:rPr lang="en-GB" altLang="da-DK" sz="1600" dirty="0" smtClean="0"/>
+              <a:rPr lang="en-GB" altLang="da-DK" sz="1600" dirty="0"/>
               <a:t>Good measure for the number of "serious" publications made by the researcher</a:t>
             </a:r>
           </a:p>
@@ -13027,13 +12289,6 @@
   <p:clrMapOvr>
     <a:masterClrMapping/>
   </p:clrMapOvr>
-  <p:timing>
-    <p:tnLst>
-      <p:par>
-        <p:cTn id="1" dur="indefinite" restart="never" nodeType="tmRoot"/>
-      </p:par>
-    </p:tnLst>
-  </p:timing>
 </p:sld>
 </file>
 
@@ -13078,7 +12333,7 @@
               <a:defRPr/>
             </a:pPr>
             <a:r>
-              <a:rPr lang="en-GB" altLang="da-DK" sz="2800" dirty="0" smtClean="0"/>
+              <a:rPr lang="en-GB" altLang="da-DK" sz="2800" dirty="0"/>
               <a:t>Be careful when you compare two researchers</a:t>
             </a:r>
           </a:p>
@@ -13112,7 +12367,7 @@
               <a:buChar char="•"/>
             </a:pPr>
             <a:r>
-              <a:rPr lang="en-GB" altLang="da-DK" sz="1800" b="1" dirty="0" smtClean="0">
+              <a:rPr lang="en-GB" altLang="da-DK" sz="1800" b="1" dirty="0">
                 <a:solidFill>
                   <a:srgbClr val="A50021"/>
                 </a:solidFill>
@@ -13120,12 +12375,6 @@
               </a:rPr>
               <a:t>The (scientific) age has a big influence</a:t>
             </a:r>
-            <a:endParaRPr lang="en-GB" altLang="da-DK" sz="1800" b="1" dirty="0">
-              <a:solidFill>
-                <a:srgbClr val="A50021"/>
-              </a:solidFill>
-              <a:cs typeface="ＭＳ Ｐゴシック" charset="0"/>
-            </a:endParaRPr>
           </a:p>
           <a:p>
             <a:pPr marL="728663" lvl="1" indent="-271463">
@@ -13134,7 +12383,7 @@
               </a:spcBef>
             </a:pPr>
             <a:r>
-              <a:rPr lang="en-GB" altLang="da-DK" sz="1600" dirty="0" smtClean="0"/>
+              <a:rPr lang="en-GB" altLang="da-DK" sz="1600" dirty="0"/>
               <a:t>Obviously, young researcher have much smaller numbers than old researchers</a:t>
             </a:r>
           </a:p>
@@ -13145,7 +12394,7 @@
               </a:spcBef>
             </a:pPr>
             <a:r>
-              <a:rPr lang="en-GB" altLang="da-DK" sz="1600" dirty="0" smtClean="0"/>
+              <a:rPr lang="en-GB" altLang="da-DK" sz="1600" dirty="0"/>
               <a:t>When a paper has been written, it takes months before it is published, and then several years before it is read and cited by other researchers</a:t>
             </a:r>
           </a:p>
@@ -13156,7 +12405,7 @@
               </a:spcBef>
             </a:pPr>
             <a:r>
-              <a:rPr lang="en-GB" altLang="da-DK" sz="1600" dirty="0" smtClean="0"/>
+              <a:rPr lang="en-GB" altLang="da-DK" sz="1600" dirty="0"/>
               <a:t>The M-index tries to handle this by dividing the H-index with the number of years since the first publication</a:t>
             </a:r>
           </a:p>
@@ -13168,7 +12417,7 @@
               <a:buChar char="•"/>
             </a:pPr>
             <a:r>
-              <a:rPr lang="en-GB" altLang="da-DK" sz="1800" b="1" dirty="0" smtClean="0">
+              <a:rPr lang="en-GB" altLang="da-DK" sz="1800" b="1" dirty="0">
                 <a:solidFill>
                   <a:srgbClr val="A50021"/>
                 </a:solidFill>
@@ -13176,12 +12425,6 @@
               </a:rPr>
               <a:t>The research area has a big influence</a:t>
             </a:r>
-            <a:endParaRPr lang="en-GB" altLang="da-DK" sz="1800" b="1" dirty="0">
-              <a:solidFill>
-                <a:srgbClr val="A50021"/>
-              </a:solidFill>
-              <a:cs typeface="ＭＳ Ｐゴシック" charset="0"/>
-            </a:endParaRPr>
           </a:p>
           <a:p>
             <a:pPr marL="728663" lvl="1" indent="-271463">
@@ -13190,7 +12433,7 @@
               </a:spcBef>
             </a:pPr>
             <a:r>
-              <a:rPr lang="en-GB" altLang="da-DK" sz="1600" dirty="0" smtClean="0"/>
+              <a:rPr lang="en-GB" altLang="da-DK" sz="1600" dirty="0"/>
               <a:t>In mathematics, it is common to publish at most one paper per year</a:t>
             </a:r>
           </a:p>
@@ -13201,7 +12444,7 @@
               </a:spcBef>
             </a:pPr>
             <a:r>
-              <a:rPr lang="en-GB" altLang="da-DK" sz="1600" dirty="0" smtClean="0"/>
+              <a:rPr lang="en-GB" altLang="da-DK" sz="1600" dirty="0"/>
               <a:t>This obvious means that a researcher has few papers, and moreover there are few other papers that can make citations to them</a:t>
             </a:r>
           </a:p>
@@ -13212,11 +12455,11 @@
               </a:spcBef>
             </a:pPr>
             <a:r>
-              <a:rPr lang="en-GB" altLang="da-DK" sz="1600" dirty="0" smtClean="0"/>
+              <a:rPr lang="en-GB" altLang="da-DK" sz="1600" dirty="0"/>
               <a:t>Even within computer science, there are </a:t>
             </a:r>
             <a:r>
-              <a:rPr lang="en-GB" altLang="da-DK" sz="1600" b="1" dirty="0" smtClean="0">
+              <a:rPr lang="en-GB" altLang="da-DK" sz="1600" b="1" dirty="0">
                 <a:solidFill>
                   <a:srgbClr val="008000"/>
                 </a:solidFill>
@@ -13224,7 +12467,7 @@
               <a:t>big differences</a:t>
             </a:r>
             <a:r>
-              <a:rPr lang="en-GB" altLang="da-DK" sz="1600" dirty="0" smtClean="0"/>
+              <a:rPr lang="en-GB" altLang="da-DK" sz="1600" dirty="0"/>
               <a:t> from research area to research area</a:t>
             </a:r>
           </a:p>
@@ -13235,15 +12478,15 @@
               </a:spcBef>
             </a:pPr>
             <a:r>
-              <a:rPr lang="en-GB" altLang="da-DK" sz="1600" dirty="0" smtClean="0"/>
+              <a:rPr lang="en-GB" altLang="da-DK" sz="1600" dirty="0"/>
               <a:t>In some research areas, it is common that a young active researcher (e.g. a PhD student or a </a:t>
             </a:r>
             <a:r>
-              <a:rPr lang="en-GB" altLang="da-DK" sz="1600" dirty="0" err="1" smtClean="0"/>
+              <a:rPr lang="en-GB" altLang="da-DK" sz="1600" dirty="0" err="1"/>
               <a:t>PostDoc</a:t>
             </a:r>
             <a:r>
-              <a:rPr lang="en-GB" altLang="da-DK" sz="1600" dirty="0" smtClean="0"/>
+              <a:rPr lang="en-GB" altLang="da-DK" sz="1600" dirty="0"/>
               <a:t>) publish 10-20 papers a year</a:t>
             </a:r>
           </a:p>
@@ -13254,7 +12497,7 @@
               </a:spcBef>
             </a:pPr>
             <a:r>
-              <a:rPr lang="en-GB" altLang="da-DK" sz="1600" dirty="0" smtClean="0"/>
+              <a:rPr lang="en-GB" altLang="da-DK" sz="1600" dirty="0"/>
               <a:t>In other areas this number is much lower</a:t>
             </a:r>
           </a:p>
@@ -13266,103 +12509,13 @@
               <a:buChar char="•"/>
             </a:pPr>
             <a:r>
-              <a:rPr lang="en-GB" altLang="da-DK" sz="1800" b="1" dirty="0" smtClean="0">
+              <a:rPr lang="en-GB" altLang="da-DK" sz="1800" b="1" dirty="0">
                 <a:solidFill>
                   <a:srgbClr val="A50021"/>
                 </a:solidFill>
                 <a:cs typeface="ＭＳ Ｐゴシック" charset="0"/>
               </a:rPr>
-              <a:t>Hence, it </a:t>
-            </a:r>
-            <a:r>
-              <a:rPr lang="en-GB" altLang="da-DK" sz="1800" b="1" dirty="0">
-                <a:solidFill>
-                  <a:srgbClr val="A50021"/>
-                </a:solidFill>
-                <a:cs typeface="ＭＳ Ｐゴシック" charset="0"/>
-              </a:rPr>
-              <a:t>only </a:t>
-            </a:r>
-            <a:r>
-              <a:rPr lang="en-GB" altLang="da-DK" sz="1800" b="1" dirty="0" smtClean="0">
-                <a:solidFill>
-                  <a:srgbClr val="A50021"/>
-                </a:solidFill>
-                <a:cs typeface="ＭＳ Ｐゴシック" charset="0"/>
-              </a:rPr>
-              <a:t>makes sense </a:t>
-            </a:r>
-            <a:r>
-              <a:rPr lang="en-GB" altLang="da-DK" sz="1800" b="1" dirty="0">
-                <a:solidFill>
-                  <a:srgbClr val="A50021"/>
-                </a:solidFill>
-                <a:cs typeface="ＭＳ Ｐゴシック" charset="0"/>
-              </a:rPr>
-              <a:t>to </a:t>
-            </a:r>
-            <a:r>
-              <a:rPr lang="en-GB" altLang="da-DK" sz="1800" b="1" dirty="0" smtClean="0">
-                <a:solidFill>
-                  <a:srgbClr val="A50021"/>
-                </a:solidFill>
-                <a:cs typeface="ＭＳ Ｐゴシック" charset="0"/>
-              </a:rPr>
-              <a:t>compare </a:t>
-            </a:r>
-            <a:r>
-              <a:rPr lang="en-GB" altLang="da-DK" sz="1800" b="1" dirty="0">
-                <a:solidFill>
-                  <a:srgbClr val="A50021"/>
-                </a:solidFill>
-                <a:cs typeface="ＭＳ Ｐゴシック" charset="0"/>
-              </a:rPr>
-              <a:t>citations, H-index and </a:t>
-            </a:r>
-            <a:r>
-              <a:rPr lang="en-GB" altLang="da-DK" sz="1800" b="1" dirty="0" smtClean="0">
-                <a:solidFill>
-                  <a:srgbClr val="A50021"/>
-                </a:solidFill>
-                <a:cs typeface="ＭＳ Ｐゴシック" charset="0"/>
-              </a:rPr>
-              <a:t>I-index </a:t>
-            </a:r>
-            <a:r>
-              <a:rPr lang="en-GB" altLang="da-DK" sz="1800" b="1" dirty="0">
-                <a:solidFill>
-                  <a:srgbClr val="A50021"/>
-                </a:solidFill>
-                <a:cs typeface="ＭＳ Ｐゴシック" charset="0"/>
-              </a:rPr>
-              <a:t>for </a:t>
-            </a:r>
-            <a:r>
-              <a:rPr lang="en-GB" altLang="da-DK" sz="1800" b="1" dirty="0" smtClean="0">
-                <a:solidFill>
-                  <a:srgbClr val="A50021"/>
-                </a:solidFill>
-                <a:cs typeface="ＭＳ Ｐゴシック" charset="0"/>
-              </a:rPr>
-              <a:t>researchers </a:t>
-            </a:r>
-            <a:r>
-              <a:rPr lang="en-GB" altLang="da-DK" sz="1800" b="1" dirty="0">
-                <a:solidFill>
-                  <a:srgbClr val="A50021"/>
-                </a:solidFill>
-                <a:cs typeface="ＭＳ Ｐゴシック" charset="0"/>
-              </a:rPr>
-              <a:t>who </a:t>
-            </a:r>
-            <a:r>
-              <a:rPr lang="en-GB" altLang="da-DK" sz="1800" b="1" dirty="0" smtClean="0">
-                <a:solidFill>
-                  <a:srgbClr val="A50021"/>
-                </a:solidFill>
-                <a:cs typeface="ＭＳ Ｐゴシック" charset="0"/>
-              </a:rPr>
-              <a:t>are</a:t>
+              <a:t>Hence, it only makes sense to compare citations, H-index and I-index for researchers who are</a:t>
             </a:r>
           </a:p>
           <a:p>
@@ -13372,12 +12525,8 @@
               </a:spcBef>
             </a:pPr>
             <a:r>
-              <a:rPr lang="en-GB" altLang="da-DK" sz="1600" dirty="0" smtClean="0"/>
-              <a:t>within </a:t>
-            </a:r>
-            <a:r>
               <a:rPr lang="en-GB" altLang="da-DK" sz="1600" dirty="0"/>
-              <a:t>the same (or similar) research area</a:t>
+              <a:t>within the same (or similar) research area</a:t>
             </a:r>
           </a:p>
           <a:p>
@@ -13387,12 +12536,8 @@
               </a:spcBef>
             </a:pPr>
             <a:r>
-              <a:rPr lang="en-GB" altLang="da-DK" sz="1600" dirty="0" smtClean="0"/>
-              <a:t>have the same (or nearly the same) </a:t>
-            </a:r>
-            <a:r>
               <a:rPr lang="en-GB" altLang="da-DK" sz="1600" dirty="0"/>
-              <a:t>scientific age</a:t>
+              <a:t>have the same (or nearly the same) scientific age</a:t>
             </a:r>
           </a:p>
         </p:txBody>
@@ -13436,13 +12581,6 @@
   <p:clrMapOvr>
     <a:masterClrMapping/>
   </p:clrMapOvr>
-  <p:timing>
-    <p:tnLst>
-      <p:par>
-        <p:cTn id="1" dur="indefinite" restart="never" nodeType="tmRoot"/>
-      </p:par>
-    </p:tnLst>
-  </p:timing>
 </p:sld>
 </file>
 
@@ -14761,6 +13899,23 @@
 </file>
 
 <file path=customXml/item1.xml><?xml version="1.0" encoding="utf-8"?>
+<p:properties xmlns:p="http://schemas.microsoft.com/office/2006/metadata/properties" xmlns:xsi="http://www.w3.org/2001/XMLSchema-instance" xmlns:pc="http://schemas.microsoft.com/office/infopath/2007/PartnerControls">
+  <documentManagement>
+    <_activity xmlns="f659a008-7c21-4ee3-a745-e38581e13101" xsi:nil="true"/>
+  </documentManagement>
+</p:properties>
+</file>
+
+<file path=customXml/item2.xml><?xml version="1.0" encoding="utf-8"?>
+<?mso-contentType ?>
+<FormTemplates xmlns="http://schemas.microsoft.com/sharepoint/v3/contenttype/forms">
+  <Display>DocumentLibraryForm</Display>
+  <Edit>DocumentLibraryForm</Edit>
+  <New>DocumentLibraryForm</New>
+</FormTemplates>
+</file>
+
+<file path=customXml/item3.xml><?xml version="1.0" encoding="utf-8"?>
 <ct:contentTypeSchema xmlns:ct="http://schemas.microsoft.com/office/2006/metadata/contentType" xmlns:ma="http://schemas.microsoft.com/office/2006/metadata/properties/metaAttributes" ct:_="" ma:_="" ma:contentTypeName="Dokument" ma:contentTypeID="0x01010056836BC33D1E5846BD77C269C61838DB" ma:contentTypeVersion="16" ma:contentTypeDescription="Opret et nyt dokument." ma:contentTypeScope="" ma:versionID="ef3cc48880d2d4424b772cc9d47831bb">
   <xsd:schema xmlns:xsd="http://www.w3.org/2001/XMLSchema" xmlns:xs="http://www.w3.org/2001/XMLSchema" xmlns:p="http://schemas.microsoft.com/office/2006/metadata/properties" xmlns:ns3="f659a008-7c21-4ee3-a745-e38581e13101" xmlns:ns4="e064323b-8959-406a-a3e9-bb6e93638192" targetNamespace="http://schemas.microsoft.com/office/2006/metadata/properties" ma:root="true" ma:fieldsID="f385e854457ff68500d83ba1a633310b" ns3:_="" ns4:_="">
     <xsd:import namespace="f659a008-7c21-4ee3-a745-e38581e13101"/>
@@ -14999,24 +14154,32 @@
 </ct:contentTypeSchema>
 </file>
 
-<file path=customXml/item2.xml><?xml version="1.0" encoding="utf-8"?>
-<?mso-contentType ?>
-<FormTemplates xmlns="http://schemas.microsoft.com/sharepoint/v3/contenttype/forms">
-  <Display>DocumentLibraryForm</Display>
-  <Edit>DocumentLibraryForm</Edit>
-  <New>DocumentLibraryForm</New>
-</FormTemplates>
+<file path=customXml/itemProps1.xml><?xml version="1.0" encoding="utf-8"?>
+<ds:datastoreItem xmlns:ds="http://schemas.openxmlformats.org/officeDocument/2006/customXml" ds:itemID="{E6D6F283-C371-4990-9308-E63329D6F24C}">
+  <ds:schemaRefs>
+    <ds:schemaRef ds:uri="http://schemas.microsoft.com/office/infopath/2007/PartnerControls"/>
+    <ds:schemaRef ds:uri="http://purl.org/dc/elements/1.1/"/>
+    <ds:schemaRef ds:uri="http://schemas.microsoft.com/office/2006/documentManagement/types"/>
+    <ds:schemaRef ds:uri="http://purl.org/dc/terms/"/>
+    <ds:schemaRef ds:uri="http://www.w3.org/XML/1998/namespace"/>
+    <ds:schemaRef ds:uri="http://schemas.microsoft.com/office/2006/metadata/properties"/>
+    <ds:schemaRef ds:uri="http://schemas.openxmlformats.org/package/2006/metadata/core-properties"/>
+    <ds:schemaRef ds:uri="e064323b-8959-406a-a3e9-bb6e93638192"/>
+    <ds:schemaRef ds:uri="f659a008-7c21-4ee3-a745-e38581e13101"/>
+    <ds:schemaRef ds:uri="http://purl.org/dc/dcmitype/"/>
+  </ds:schemaRefs>
+</ds:datastoreItem>
 </file>
 
-<file path=customXml/item3.xml><?xml version="1.0" encoding="utf-8"?>
-<p:properties xmlns:p="http://schemas.microsoft.com/office/2006/metadata/properties" xmlns:xsi="http://www.w3.org/2001/XMLSchema-instance" xmlns:pc="http://schemas.microsoft.com/office/infopath/2007/PartnerControls">
-  <documentManagement>
-    <_activity xmlns="f659a008-7c21-4ee3-a745-e38581e13101" xsi:nil="true"/>
-  </documentManagement>
-</p:properties>
+<file path=customXml/itemProps2.xml><?xml version="1.0" encoding="utf-8"?>
+<ds:datastoreItem xmlns:ds="http://schemas.openxmlformats.org/officeDocument/2006/customXml" ds:itemID="{C7148DE2-9C1B-4CBF-9EEA-A23272B4AF37}">
+  <ds:schemaRefs>
+    <ds:schemaRef ds:uri="http://schemas.microsoft.com/sharepoint/v3/contenttype/forms"/>
+  </ds:schemaRefs>
+</ds:datastoreItem>
 </file>
 
-<file path=customXml/itemProps1.xml><?xml version="1.0" encoding="utf-8"?>
+<file path=customXml/itemProps3.xml><?xml version="1.0" encoding="utf-8"?>
 <ds:datastoreItem xmlns:ds="http://schemas.openxmlformats.org/officeDocument/2006/customXml" ds:itemID="{BB647FEE-6A6D-4736-955E-46812FCD34B6}">
   <ds:schemaRefs>
     <ds:schemaRef ds:uri="http://schemas.microsoft.com/office/2006/metadata/contentType"/>
@@ -15033,29 +14196,4 @@
     <ds:schemaRef ds:uri="http://schemas.microsoft.com/internal/obd"/>
   </ds:schemaRefs>
 </ds:datastoreItem>
-</file>
-
-<file path=customXml/itemProps2.xml><?xml version="1.0" encoding="utf-8"?>
-<ds:datastoreItem xmlns:ds="http://schemas.openxmlformats.org/officeDocument/2006/customXml" ds:itemID="{C7148DE2-9C1B-4CBF-9EEA-A23272B4AF37}">
-  <ds:schemaRefs>
-    <ds:schemaRef ds:uri="http://schemas.microsoft.com/sharepoint/v3/contenttype/forms"/>
-  </ds:schemaRefs>
-</ds:datastoreItem>
-</file>
-
-<file path=customXml/itemProps3.xml><?xml version="1.0" encoding="utf-8"?>
-<ds:datastoreItem xmlns:ds="http://schemas.openxmlformats.org/officeDocument/2006/customXml" ds:itemID="{E6D6F283-C371-4990-9308-E63329D6F24C}">
-  <ds:schemaRefs>
-    <ds:schemaRef ds:uri="http://schemas.microsoft.com/office/infopath/2007/PartnerControls"/>
-    <ds:schemaRef ds:uri="http://purl.org/dc/elements/1.1/"/>
-    <ds:schemaRef ds:uri="http://schemas.microsoft.com/office/2006/documentManagement/types"/>
-    <ds:schemaRef ds:uri="http://purl.org/dc/terms/"/>
-    <ds:schemaRef ds:uri="http://www.w3.org/XML/1998/namespace"/>
-    <ds:schemaRef ds:uri="http://schemas.microsoft.com/office/2006/metadata/properties"/>
-    <ds:schemaRef ds:uri="http://schemas.openxmlformats.org/package/2006/metadata/core-properties"/>
-    <ds:schemaRef ds:uri="e064323b-8959-406a-a3e9-bb6e93638192"/>
-    <ds:schemaRef ds:uri="f659a008-7c21-4ee3-a745-e38581e13101"/>
-    <ds:schemaRef ds:uri="http://purl.org/dc/dcmitype/"/>
-  </ds:schemaRefs>
-</ds:datastoreItem>
 </file>